--- a/modules/Mortality/PPT.pptx
+++ b/modules/Mortality/PPT.pptx
@@ -5,10 +5,10 @@
     <p:sldMasterId id="2147483648" r:id="rId1"/>
   </p:sldMasterIdLst>
   <p:notesMasterIdLst>
-    <p:notesMasterId r:id="rId22"/>
+    <p:notesMasterId r:id="rId14"/>
   </p:notesMasterIdLst>
   <p:handoutMasterIdLst>
-    <p:handoutMasterId r:id="rId23"/>
+    <p:handoutMasterId r:id="rId15"/>
   </p:handoutMasterIdLst>
   <p:sldIdLst>
     <p:sldId id="256" r:id="rId2"/>
@@ -23,14 +23,6 @@
     <p:sldId id="304" r:id="rId11"/>
     <p:sldId id="323" r:id="rId12"/>
     <p:sldId id="306" r:id="rId13"/>
-    <p:sldId id="324" r:id="rId14"/>
-    <p:sldId id="325" r:id="rId15"/>
-    <p:sldId id="326" r:id="rId16"/>
-    <p:sldId id="329" r:id="rId17"/>
-    <p:sldId id="314" r:id="rId18"/>
-    <p:sldId id="317" r:id="rId19"/>
-    <p:sldId id="318" r:id="rId20"/>
-    <p:sldId id="319" r:id="rId21"/>
   </p:sldIdLst>
   <p:sldSz cx="9144000" cy="6858000" type="screen4x3"/>
   <p:notesSz cx="6858000" cy="9190038"/>
@@ -1065,285 +1057,6 @@
 </p:notes>
 </file>
 
-<file path=ppt/notesSlides/notesSlide3.xml><?xml version="1.0" encoding="utf-8"?>
-<p:notes xmlns:a="http://schemas.openxmlformats.org/drawingml/2006/main" xmlns:r="http://schemas.openxmlformats.org/officeDocument/2006/relationships" xmlns:p="http://schemas.openxmlformats.org/presentationml/2006/main">
-  <p:cSld>
-    <p:spTree>
-      <p:nvGrpSpPr>
-        <p:cNvPr id="1" name=""/>
-        <p:cNvGrpSpPr/>
-        <p:nvPr/>
-      </p:nvGrpSpPr>
-      <p:grpSpPr>
-        <a:xfrm>
-          <a:off x="0" y="0"/>
-          <a:ext cx="0" cy="0"/>
-          <a:chOff x="0" y="0"/>
-          <a:chExt cx="0" cy="0"/>
-        </a:xfrm>
-      </p:grpSpPr>
-      <p:sp>
-        <p:nvSpPr>
-          <p:cNvPr id="2" name="Slide Image Placeholder 1"/>
-          <p:cNvSpPr>
-            <a:spLocks noGrp="1" noRot="1" noChangeAspect="1"/>
-          </p:cNvSpPr>
-          <p:nvPr>
-            <p:ph type="sldImg"/>
-          </p:nvPr>
-        </p:nvSpPr>
-        <p:spPr/>
-      </p:sp>
-      <p:sp>
-        <p:nvSpPr>
-          <p:cNvPr id="3" name="Notes Placeholder 2"/>
-          <p:cNvSpPr>
-            <a:spLocks noGrp="1"/>
-          </p:cNvSpPr>
-          <p:nvPr>
-            <p:ph type="body" idx="1"/>
-          </p:nvPr>
-        </p:nvSpPr>
-        <p:spPr/>
-        <p:txBody>
-          <a:bodyPr/>
-          <a:lstStyle/>
-          <a:p>
-            <a:r>
-              <a:rPr lang="en-US" dirty="0" smtClean="0"/>
-              <a:t>Realistic?</a:t>
-            </a:r>
-            <a:r>
-              <a:rPr lang="en-US" baseline="0" dirty="0" smtClean="0"/>
-              <a:t>  Varies by age, bathtub model</a:t>
-            </a:r>
-            <a:endParaRPr lang="en-US" dirty="0"/>
-          </a:p>
-        </p:txBody>
-      </p:sp>
-      <p:sp>
-        <p:nvSpPr>
-          <p:cNvPr id="4" name="Slide Number Placeholder 3"/>
-          <p:cNvSpPr>
-            <a:spLocks noGrp="1"/>
-          </p:cNvSpPr>
-          <p:nvPr>
-            <p:ph type="sldNum" sz="quarter" idx="10"/>
-          </p:nvPr>
-        </p:nvSpPr>
-        <p:spPr/>
-        <p:txBody>
-          <a:bodyPr/>
-          <a:lstStyle/>
-          <a:p>
-            <a:fld id="{90DA5176-CD48-4645-8A68-A0B4376181E0}" type="slidenum">
-              <a:rPr lang="en-US" smtClean="0"/>
-              <a:pPr/>
-              <a:t>14</a:t>
-            </a:fld>
-            <a:endParaRPr lang="en-US"/>
-          </a:p>
-        </p:txBody>
-      </p:sp>
-    </p:spTree>
-    <p:extLst>
-      <p:ext uri="{BB962C8B-B14F-4D97-AF65-F5344CB8AC3E}">
-        <p14:creationId xmlns:p14="http://schemas.microsoft.com/office/powerpoint/2010/main" val="741374440"/>
-      </p:ext>
-    </p:extLst>
-  </p:cSld>
-  <p:clrMapOvr>
-    <a:masterClrMapping/>
-  </p:clrMapOvr>
-</p:notes>
-</file>
-
-<file path=ppt/notesSlides/notesSlide4.xml><?xml version="1.0" encoding="utf-8"?>
-<p:notes xmlns:a="http://schemas.openxmlformats.org/drawingml/2006/main" xmlns:r="http://schemas.openxmlformats.org/officeDocument/2006/relationships" xmlns:p="http://schemas.openxmlformats.org/presentationml/2006/main">
-  <p:cSld>
-    <p:spTree>
-      <p:nvGrpSpPr>
-        <p:cNvPr id="1" name=""/>
-        <p:cNvGrpSpPr/>
-        <p:nvPr/>
-      </p:nvGrpSpPr>
-      <p:grpSpPr>
-        <a:xfrm>
-          <a:off x="0" y="0"/>
-          <a:ext cx="0" cy="0"/>
-          <a:chOff x="0" y="0"/>
-          <a:chExt cx="0" cy="0"/>
-        </a:xfrm>
-      </p:grpSpPr>
-      <p:sp>
-        <p:nvSpPr>
-          <p:cNvPr id="2" name="Slide Image Placeholder 1"/>
-          <p:cNvSpPr>
-            <a:spLocks noGrp="1" noRot="1" noChangeAspect="1"/>
-          </p:cNvSpPr>
-          <p:nvPr>
-            <p:ph type="sldImg"/>
-          </p:nvPr>
-        </p:nvSpPr>
-        <p:spPr/>
-      </p:sp>
-      <p:sp>
-        <p:nvSpPr>
-          <p:cNvPr id="3" name="Notes Placeholder 2"/>
-          <p:cNvSpPr>
-            <a:spLocks noGrp="1"/>
-          </p:cNvSpPr>
-          <p:nvPr>
-            <p:ph type="body" idx="1"/>
-          </p:nvPr>
-        </p:nvSpPr>
-        <p:spPr/>
-        <p:txBody>
-          <a:bodyPr/>
-          <a:lstStyle/>
-          <a:p>
-            <a:r>
-              <a:rPr lang="en-US" dirty="0" err="1" smtClean="0"/>
-              <a:t>Tmass</a:t>
-            </a:r>
-            <a:r>
-              <a:rPr lang="en-US" dirty="0" smtClean="0"/>
-              <a:t> is age at 50% maturity</a:t>
-            </a:r>
-            <a:endParaRPr lang="en-US" dirty="0"/>
-          </a:p>
-        </p:txBody>
-      </p:sp>
-      <p:sp>
-        <p:nvSpPr>
-          <p:cNvPr id="4" name="Slide Number Placeholder 3"/>
-          <p:cNvSpPr>
-            <a:spLocks noGrp="1"/>
-          </p:cNvSpPr>
-          <p:nvPr>
-            <p:ph type="sldNum" sz="quarter" idx="10"/>
-          </p:nvPr>
-        </p:nvSpPr>
-        <p:spPr/>
-        <p:txBody>
-          <a:bodyPr/>
-          <a:lstStyle/>
-          <a:p>
-            <a:fld id="{90DA5176-CD48-4645-8A68-A0B4376181E0}" type="slidenum">
-              <a:rPr lang="en-US" smtClean="0"/>
-              <a:pPr/>
-              <a:t>15</a:t>
-            </a:fld>
-            <a:endParaRPr lang="en-US"/>
-          </a:p>
-        </p:txBody>
-      </p:sp>
-    </p:spTree>
-    <p:extLst>
-      <p:ext uri="{BB962C8B-B14F-4D97-AF65-F5344CB8AC3E}">
-        <p14:creationId xmlns:p14="http://schemas.microsoft.com/office/powerpoint/2010/main" val="741374440"/>
-      </p:ext>
-    </p:extLst>
-  </p:cSld>
-  <p:clrMapOvr>
-    <a:masterClrMapping/>
-  </p:clrMapOvr>
-</p:notes>
-</file>
-
-<file path=ppt/notesSlides/notesSlide5.xml><?xml version="1.0" encoding="utf-8"?>
-<p:notes xmlns:a="http://schemas.openxmlformats.org/drawingml/2006/main" xmlns:r="http://schemas.openxmlformats.org/officeDocument/2006/relationships" xmlns:p="http://schemas.openxmlformats.org/presentationml/2006/main">
-  <p:cSld>
-    <p:spTree>
-      <p:nvGrpSpPr>
-        <p:cNvPr id="1" name=""/>
-        <p:cNvGrpSpPr/>
-        <p:nvPr/>
-      </p:nvGrpSpPr>
-      <p:grpSpPr>
-        <a:xfrm>
-          <a:off x="0" y="0"/>
-          <a:ext cx="0" cy="0"/>
-          <a:chOff x="0" y="0"/>
-          <a:chExt cx="0" cy="0"/>
-        </a:xfrm>
-      </p:grpSpPr>
-      <p:sp>
-        <p:nvSpPr>
-          <p:cNvPr id="2" name="Slide Image Placeholder 1"/>
-          <p:cNvSpPr>
-            <a:spLocks noGrp="1" noRot="1" noChangeAspect="1"/>
-          </p:cNvSpPr>
-          <p:nvPr>
-            <p:ph type="sldImg"/>
-          </p:nvPr>
-        </p:nvSpPr>
-        <p:spPr/>
-      </p:sp>
-      <p:sp>
-        <p:nvSpPr>
-          <p:cNvPr id="3" name="Notes Placeholder 2"/>
-          <p:cNvSpPr>
-            <a:spLocks noGrp="1"/>
-          </p:cNvSpPr>
-          <p:nvPr>
-            <p:ph type="body" idx="1"/>
-          </p:nvPr>
-        </p:nvSpPr>
-        <p:spPr/>
-        <p:txBody>
-          <a:bodyPr/>
-          <a:lstStyle/>
-          <a:p>
-            <a:r>
-              <a:rPr lang="en-US" dirty="0" err="1" smtClean="0"/>
-              <a:t>Tmass</a:t>
-            </a:r>
-            <a:r>
-              <a:rPr lang="en-US" dirty="0" smtClean="0"/>
-              <a:t> is age at 50% maturity</a:t>
-            </a:r>
-            <a:endParaRPr lang="en-US" dirty="0"/>
-          </a:p>
-        </p:txBody>
-      </p:sp>
-      <p:sp>
-        <p:nvSpPr>
-          <p:cNvPr id="4" name="Slide Number Placeholder 3"/>
-          <p:cNvSpPr>
-            <a:spLocks noGrp="1"/>
-          </p:cNvSpPr>
-          <p:nvPr>
-            <p:ph type="sldNum" sz="quarter" idx="10"/>
-          </p:nvPr>
-        </p:nvSpPr>
-        <p:spPr/>
-        <p:txBody>
-          <a:bodyPr/>
-          <a:lstStyle/>
-          <a:p>
-            <a:fld id="{90DA5176-CD48-4645-8A68-A0B4376181E0}" type="slidenum">
-              <a:rPr lang="en-US" smtClean="0"/>
-              <a:pPr/>
-              <a:t>16</a:t>
-            </a:fld>
-            <a:endParaRPr lang="en-US"/>
-          </a:p>
-        </p:txBody>
-      </p:sp>
-    </p:spTree>
-    <p:extLst>
-      <p:ext uri="{BB962C8B-B14F-4D97-AF65-F5344CB8AC3E}">
-        <p14:creationId xmlns:p14="http://schemas.microsoft.com/office/powerpoint/2010/main" val="741374440"/>
-      </p:ext>
-    </p:extLst>
-  </p:cSld>
-  <p:clrMapOvr>
-    <a:masterClrMapping/>
-  </p:clrMapOvr>
-</p:notes>
-</file>
-
 <file path=ppt/slideLayouts/slideLayout1.xml><?xml version="1.0" encoding="utf-8"?>
 <p:sldLayout xmlns:a="http://schemas.openxmlformats.org/drawingml/2006/main" xmlns:r="http://schemas.openxmlformats.org/officeDocument/2006/relationships" xmlns:p="http://schemas.openxmlformats.org/presentationml/2006/main" type="title" preserve="1">
   <p:cSld name="Title Slide">
@@ -18051,11 +17764,11 @@
   <p:clrMapOvr>
     <a:masterClrMapping/>
   </p:clrMapOvr>
-  <mc:AlternateContent xmlns:mc="http://schemas.openxmlformats.org/markup-compatibility/2006">
-    <mc:Choice xmlns:p14="http://schemas.microsoft.com/office/powerpoint/2010/main" Requires="p14">
+  <mc:AlternateContent xmlns:mc="http://schemas.openxmlformats.org/markup-compatibility/2006" xmlns:p14="http://schemas.microsoft.com/office/powerpoint/2010/main">
+    <mc:Choice Requires="p14">
       <p:transition spd="slow" p14:dur="2000"/>
     </mc:Choice>
-    <mc:Fallback>
+    <mc:Fallback xmlns="">
       <p:transition spd="slow"/>
     </mc:Fallback>
   </mc:AlternateContent>
@@ -18640,4432 +18353,6 @@
 </p:sld>
 </file>
 
-<file path=ppt/slides/slide13.xml><?xml version="1.0" encoding="utf-8"?>
-<p:sld xmlns:a="http://schemas.openxmlformats.org/drawingml/2006/main" xmlns:r="http://schemas.openxmlformats.org/officeDocument/2006/relationships" xmlns:p="http://schemas.openxmlformats.org/presentationml/2006/main">
-  <p:cSld>
-    <p:spTree>
-      <p:nvGrpSpPr>
-        <p:cNvPr id="1" name=""/>
-        <p:cNvGrpSpPr/>
-        <p:nvPr/>
-      </p:nvGrpSpPr>
-      <p:grpSpPr>
-        <a:xfrm>
-          <a:off x="0" y="0"/>
-          <a:ext cx="0" cy="0"/>
-          <a:chOff x="0" y="0"/>
-          <a:chExt cx="0" cy="0"/>
-        </a:xfrm>
-      </p:grpSpPr>
-      <p:sp>
-        <p:nvSpPr>
-          <p:cNvPr id="2052" name="Rectangle 4"/>
-          <p:cNvSpPr>
-            <a:spLocks noGrp="1" noChangeArrowheads="1"/>
-          </p:cNvSpPr>
-          <p:nvPr>
-            <p:ph type="ctrTitle"/>
-          </p:nvPr>
-        </p:nvSpPr>
-        <p:spPr>
-          <a:xfrm>
-            <a:off x="685800" y="0"/>
-            <a:ext cx="7772400" cy="914400"/>
-          </a:xfrm>
-        </p:spPr>
-        <p:txBody>
-          <a:bodyPr/>
-          <a:lstStyle/>
-          <a:p>
-            <a:r>
-              <a:rPr lang="en-US" dirty="0" smtClean="0"/>
-              <a:t>Components of Z</a:t>
-            </a:r>
-            <a:endParaRPr lang="en-US" sz="3600" dirty="0"/>
-          </a:p>
-        </p:txBody>
-      </p:sp>
-      <p:sp>
-        <p:nvSpPr>
-          <p:cNvPr id="5" name="Rectangle 4"/>
-          <p:cNvSpPr/>
-          <p:nvPr/>
-        </p:nvSpPr>
-        <p:spPr>
-          <a:xfrm>
-            <a:off x="1143000" y="762000"/>
-            <a:ext cx="7162800" cy="3048000"/>
-          </a:xfrm>
-          <a:prstGeom prst="rect">
-            <a:avLst/>
-          </a:prstGeom>
-          <a:solidFill>
-            <a:schemeClr val="accent2">
-              <a:lumMod val="40000"/>
-              <a:lumOff val="60000"/>
-            </a:schemeClr>
-          </a:solidFill>
-        </p:spPr>
-        <p:style>
-          <a:lnRef idx="2">
-            <a:schemeClr val="accent1">
-              <a:shade val="50000"/>
-            </a:schemeClr>
-          </a:lnRef>
-          <a:fillRef idx="1">
-            <a:schemeClr val="accent1"/>
-          </a:fillRef>
-          <a:effectRef idx="0">
-            <a:schemeClr val="accent1"/>
-          </a:effectRef>
-          <a:fontRef idx="minor">
-            <a:schemeClr val="lt1"/>
-          </a:fontRef>
-        </p:style>
-        <p:txBody>
-          <a:bodyPr rtlCol="0" anchor="ctr"/>
-          <a:lstStyle/>
-          <a:p>
-            <a:pPr algn="ctr"/>
-            <a:endParaRPr lang="en-US"/>
-          </a:p>
-        </p:txBody>
-      </p:sp>
-      <p:sp>
-        <p:nvSpPr>
-          <p:cNvPr id="6" name="Rectangle 5"/>
-          <p:cNvSpPr/>
-          <p:nvPr/>
-        </p:nvSpPr>
-        <p:spPr>
-          <a:xfrm>
-            <a:off x="1447800" y="1066800"/>
-            <a:ext cx="1691640" cy="640080"/>
-          </a:xfrm>
-          <a:prstGeom prst="rect">
-            <a:avLst/>
-          </a:prstGeom>
-          <a:solidFill>
-            <a:srgbClr val="FFB8A7"/>
-          </a:solidFill>
-          <a:ln>
-            <a:solidFill>
-              <a:srgbClr val="FF0000"/>
-            </a:solidFill>
-          </a:ln>
-        </p:spPr>
-        <p:style>
-          <a:lnRef idx="2">
-            <a:schemeClr val="accent1">
-              <a:shade val="50000"/>
-            </a:schemeClr>
-          </a:lnRef>
-          <a:fillRef idx="1">
-            <a:schemeClr val="accent1"/>
-          </a:fillRef>
-          <a:effectRef idx="0">
-            <a:schemeClr val="accent1"/>
-          </a:effectRef>
-          <a:fontRef idx="minor">
-            <a:schemeClr val="lt1"/>
-          </a:fontRef>
-        </p:style>
-        <p:txBody>
-          <a:bodyPr rtlCol="0" anchor="ctr"/>
-          <a:lstStyle/>
-          <a:p>
-            <a:pPr algn="ctr"/>
-            <a:r>
-              <a:rPr lang="en-US" sz="2000" b="1" dirty="0" smtClean="0">
-                <a:solidFill>
-                  <a:srgbClr val="FF0000"/>
-                </a:solidFill>
-              </a:rPr>
-              <a:t>Recruitment</a:t>
-            </a:r>
-            <a:endParaRPr lang="en-US" b="1" dirty="0">
-              <a:solidFill>
-                <a:srgbClr val="FF0000"/>
-              </a:solidFill>
-            </a:endParaRPr>
-          </a:p>
-        </p:txBody>
-      </p:sp>
-      <p:sp>
-        <p:nvSpPr>
-          <p:cNvPr id="7" name="Rectangle 6"/>
-          <p:cNvSpPr/>
-          <p:nvPr/>
-        </p:nvSpPr>
-        <p:spPr>
-          <a:xfrm>
-            <a:off x="1457739" y="2712720"/>
-            <a:ext cx="1691640" cy="640080"/>
-          </a:xfrm>
-          <a:prstGeom prst="rect">
-            <a:avLst/>
-          </a:prstGeom>
-          <a:solidFill>
-            <a:srgbClr val="FFB8A7"/>
-          </a:solidFill>
-          <a:ln>
-            <a:solidFill>
-              <a:srgbClr val="FF0000"/>
-            </a:solidFill>
-            <a:prstDash val="dash"/>
-          </a:ln>
-        </p:spPr>
-        <p:style>
-          <a:lnRef idx="2">
-            <a:schemeClr val="accent1">
-              <a:shade val="50000"/>
-            </a:schemeClr>
-          </a:lnRef>
-          <a:fillRef idx="1">
-            <a:schemeClr val="accent1"/>
-          </a:fillRef>
-          <a:effectRef idx="0">
-            <a:schemeClr val="accent1"/>
-          </a:effectRef>
-          <a:fontRef idx="minor">
-            <a:schemeClr val="lt1"/>
-          </a:fontRef>
-        </p:style>
-        <p:txBody>
-          <a:bodyPr rtlCol="0" anchor="ctr"/>
-          <a:lstStyle/>
-          <a:p>
-            <a:pPr algn="ctr"/>
-            <a:r>
-              <a:rPr lang="en-US" sz="2000" dirty="0" smtClean="0">
-                <a:solidFill>
-                  <a:srgbClr val="FF0000"/>
-                </a:solidFill>
-              </a:rPr>
-              <a:t>Immigration</a:t>
-            </a:r>
-            <a:endParaRPr lang="en-US" dirty="0">
-              <a:solidFill>
-                <a:srgbClr val="FF0000"/>
-              </a:solidFill>
-            </a:endParaRPr>
-          </a:p>
-        </p:txBody>
-      </p:sp>
-      <p:sp>
-        <p:nvSpPr>
-          <p:cNvPr id="10" name="Rectangle 9"/>
-          <p:cNvSpPr/>
-          <p:nvPr/>
-        </p:nvSpPr>
-        <p:spPr>
-          <a:xfrm>
-            <a:off x="6208644" y="2712720"/>
-            <a:ext cx="1691640" cy="640080"/>
-          </a:xfrm>
-          <a:prstGeom prst="rect">
-            <a:avLst/>
-          </a:prstGeom>
-          <a:solidFill>
-            <a:schemeClr val="bg2">
-              <a:lumMod val="40000"/>
-              <a:lumOff val="60000"/>
-            </a:schemeClr>
-          </a:solidFill>
-          <a:ln>
-            <a:solidFill>
-              <a:schemeClr val="tx1"/>
-            </a:solidFill>
-            <a:prstDash val="dash"/>
-          </a:ln>
-        </p:spPr>
-        <p:style>
-          <a:lnRef idx="2">
-            <a:schemeClr val="accent1">
-              <a:shade val="50000"/>
-            </a:schemeClr>
-          </a:lnRef>
-          <a:fillRef idx="1">
-            <a:schemeClr val="accent1"/>
-          </a:fillRef>
-          <a:effectRef idx="0">
-            <a:schemeClr val="accent1"/>
-          </a:effectRef>
-          <a:fontRef idx="minor">
-            <a:schemeClr val="lt1"/>
-          </a:fontRef>
-        </p:style>
-        <p:txBody>
-          <a:bodyPr rtlCol="0" anchor="ctr"/>
-          <a:lstStyle/>
-          <a:p>
-            <a:pPr algn="ctr"/>
-            <a:r>
-              <a:rPr lang="en-US" sz="2000" dirty="0" smtClean="0">
-                <a:solidFill>
-                  <a:schemeClr val="tx1"/>
-                </a:solidFill>
-              </a:rPr>
-              <a:t>Emigration</a:t>
-            </a:r>
-            <a:endParaRPr lang="en-US" dirty="0">
-              <a:solidFill>
-                <a:schemeClr val="tx1"/>
-              </a:solidFill>
-            </a:endParaRPr>
-          </a:p>
-        </p:txBody>
-      </p:sp>
-      <p:cxnSp>
-        <p:nvCxnSpPr>
-          <p:cNvPr id="11" name="Straight Arrow Connector 10"/>
-          <p:cNvCxnSpPr>
-            <a:stCxn id="6" idx="3"/>
-          </p:cNvCxnSpPr>
-          <p:nvPr/>
-        </p:nvCxnSpPr>
-        <p:spPr>
-          <a:xfrm>
-            <a:off x="3139440" y="1386840"/>
-            <a:ext cx="528099" cy="634116"/>
-          </a:xfrm>
-          <a:prstGeom prst="straightConnector1">
-            <a:avLst/>
-          </a:prstGeom>
-          <a:ln w="50800" cap="flat">
-            <a:solidFill>
-              <a:srgbClr val="FF0000"/>
-            </a:solidFill>
-            <a:round/>
-            <a:tailEnd type="stealth" w="lg" len="lg"/>
-          </a:ln>
-        </p:spPr>
-        <p:style>
-          <a:lnRef idx="1">
-            <a:schemeClr val="accent1"/>
-          </a:lnRef>
-          <a:fillRef idx="0">
-            <a:schemeClr val="accent1"/>
-          </a:fillRef>
-          <a:effectRef idx="0">
-            <a:schemeClr val="accent1"/>
-          </a:effectRef>
-          <a:fontRef idx="minor">
-            <a:schemeClr val="tx1"/>
-          </a:fontRef>
-        </p:style>
-      </p:cxnSp>
-      <p:cxnSp>
-        <p:nvCxnSpPr>
-          <p:cNvPr id="12" name="Straight Arrow Connector 11"/>
-          <p:cNvCxnSpPr/>
-          <p:nvPr/>
-        </p:nvCxnSpPr>
-        <p:spPr>
-          <a:xfrm flipV="1">
-            <a:off x="3149379" y="2478156"/>
-            <a:ext cx="518160" cy="554604"/>
-          </a:xfrm>
-          <a:prstGeom prst="straightConnector1">
-            <a:avLst/>
-          </a:prstGeom>
-          <a:ln w="50800" cap="flat">
-            <a:solidFill>
-              <a:srgbClr val="FF0000"/>
-            </a:solidFill>
-            <a:round/>
-            <a:tailEnd type="stealth" w="lg" len="lg"/>
-          </a:ln>
-        </p:spPr>
-        <p:style>
-          <a:lnRef idx="1">
-            <a:schemeClr val="accent1"/>
-          </a:lnRef>
-          <a:fillRef idx="0">
-            <a:schemeClr val="accent1"/>
-          </a:fillRef>
-          <a:effectRef idx="0">
-            <a:schemeClr val="accent1"/>
-          </a:effectRef>
-          <a:fontRef idx="minor">
-            <a:schemeClr val="tx1"/>
-          </a:fontRef>
-        </p:style>
-      </p:cxnSp>
-      <p:cxnSp>
-        <p:nvCxnSpPr>
-          <p:cNvPr id="13" name="Straight Arrow Connector 12"/>
-          <p:cNvCxnSpPr>
-            <a:endCxn id="8" idx="1"/>
-          </p:cNvCxnSpPr>
-          <p:nvPr/>
-        </p:nvCxnSpPr>
-        <p:spPr>
-          <a:xfrm flipV="1">
-            <a:off x="5506278" y="1386840"/>
-            <a:ext cx="692427" cy="634116"/>
-          </a:xfrm>
-          <a:prstGeom prst="straightConnector1">
-            <a:avLst/>
-          </a:prstGeom>
-          <a:ln w="50800" cap="flat">
-            <a:solidFill>
-              <a:schemeClr val="tx1">
-                <a:lumMod val="75000"/>
-                <a:lumOff val="25000"/>
-              </a:schemeClr>
-            </a:solidFill>
-            <a:round/>
-            <a:tailEnd type="stealth" w="lg" len="lg"/>
-          </a:ln>
-        </p:spPr>
-        <p:style>
-          <a:lnRef idx="1">
-            <a:schemeClr val="accent1"/>
-          </a:lnRef>
-          <a:fillRef idx="0">
-            <a:schemeClr val="accent1"/>
-          </a:fillRef>
-          <a:effectRef idx="0">
-            <a:schemeClr val="accent1"/>
-          </a:effectRef>
-          <a:fontRef idx="minor">
-            <a:schemeClr val="tx1"/>
-          </a:fontRef>
-        </p:style>
-      </p:cxnSp>
-      <p:cxnSp>
-        <p:nvCxnSpPr>
-          <p:cNvPr id="14" name="Straight Arrow Connector 13"/>
-          <p:cNvCxnSpPr>
-            <a:endCxn id="9" idx="1"/>
-          </p:cNvCxnSpPr>
-          <p:nvPr/>
-        </p:nvCxnSpPr>
-        <p:spPr>
-          <a:xfrm>
-            <a:off x="5506278" y="2209800"/>
-            <a:ext cx="675861" cy="15240"/>
-          </a:xfrm>
-          <a:prstGeom prst="straightConnector1">
-            <a:avLst/>
-          </a:prstGeom>
-          <a:ln w="50800" cap="flat">
-            <a:solidFill>
-              <a:schemeClr val="tx1">
-                <a:lumMod val="75000"/>
-                <a:lumOff val="25000"/>
-              </a:schemeClr>
-            </a:solidFill>
-            <a:round/>
-            <a:tailEnd type="stealth" w="lg" len="lg"/>
-          </a:ln>
-        </p:spPr>
-        <p:style>
-          <a:lnRef idx="1">
-            <a:schemeClr val="accent1"/>
-          </a:lnRef>
-          <a:fillRef idx="0">
-            <a:schemeClr val="accent1"/>
-          </a:fillRef>
-          <a:effectRef idx="0">
-            <a:schemeClr val="accent1"/>
-          </a:effectRef>
-          <a:fontRef idx="minor">
-            <a:schemeClr val="tx1"/>
-          </a:fontRef>
-        </p:style>
-      </p:cxnSp>
-      <p:cxnSp>
-        <p:nvCxnSpPr>
-          <p:cNvPr id="15" name="Straight Arrow Connector 14"/>
-          <p:cNvCxnSpPr>
-            <a:endCxn id="10" idx="1"/>
-          </p:cNvCxnSpPr>
-          <p:nvPr/>
-        </p:nvCxnSpPr>
-        <p:spPr>
-          <a:xfrm>
-            <a:off x="5506278" y="2494854"/>
-            <a:ext cx="702366" cy="537906"/>
-          </a:xfrm>
-          <a:prstGeom prst="straightConnector1">
-            <a:avLst/>
-          </a:prstGeom>
-          <a:ln w="50800" cap="flat">
-            <a:solidFill>
-              <a:schemeClr val="tx1">
-                <a:lumMod val="75000"/>
-                <a:lumOff val="25000"/>
-              </a:schemeClr>
-            </a:solidFill>
-            <a:round/>
-            <a:tailEnd type="stealth" w="lg" len="lg"/>
-          </a:ln>
-        </p:spPr>
-        <p:style>
-          <a:lnRef idx="1">
-            <a:schemeClr val="accent1"/>
-          </a:lnRef>
-          <a:fillRef idx="0">
-            <a:schemeClr val="accent1"/>
-          </a:fillRef>
-          <a:effectRef idx="0">
-            <a:schemeClr val="accent1"/>
-          </a:effectRef>
-          <a:fontRef idx="minor">
-            <a:schemeClr val="tx1"/>
-          </a:fontRef>
-        </p:style>
-      </p:cxnSp>
-      <p:sp>
-        <p:nvSpPr>
-          <p:cNvPr id="18" name="Rectangle 17"/>
-          <p:cNvSpPr/>
-          <p:nvPr/>
-        </p:nvSpPr>
-        <p:spPr>
-          <a:xfrm>
-            <a:off x="3667539" y="1752600"/>
-            <a:ext cx="1828800" cy="914400"/>
-          </a:xfrm>
-          <a:prstGeom prst="rect">
-            <a:avLst/>
-          </a:prstGeom>
-        </p:spPr>
-        <p:style>
-          <a:lnRef idx="2">
-            <a:schemeClr val="accent1">
-              <a:shade val="50000"/>
-            </a:schemeClr>
-          </a:lnRef>
-          <a:fillRef idx="1">
-            <a:schemeClr val="accent1"/>
-          </a:fillRef>
-          <a:effectRef idx="0">
-            <a:schemeClr val="accent1"/>
-          </a:effectRef>
-          <a:fontRef idx="minor">
-            <a:schemeClr val="lt1"/>
-          </a:fontRef>
-        </p:style>
-        <p:txBody>
-          <a:bodyPr rtlCol="0" anchor="ctr"/>
-          <a:lstStyle/>
-          <a:p>
-            <a:pPr algn="ctr"/>
-            <a:r>
-              <a:rPr lang="en-US" sz="2400" b="1" dirty="0" smtClean="0">
-                <a:solidFill>
-                  <a:schemeClr val="accent6"/>
-                </a:solidFill>
-              </a:rPr>
-              <a:t>Population</a:t>
-            </a:r>
-          </a:p>
-          <a:p>
-            <a:pPr algn="ctr"/>
-            <a:r>
-              <a:rPr lang="en-US" sz="2400" b="1" dirty="0" smtClean="0">
-                <a:solidFill>
-                  <a:schemeClr val="accent6"/>
-                </a:solidFill>
-              </a:rPr>
-              <a:t>Numbers</a:t>
-            </a:r>
-            <a:endParaRPr lang="en-US" sz="2400" b="1" dirty="0">
-              <a:solidFill>
-                <a:schemeClr val="accent6"/>
-              </a:solidFill>
-            </a:endParaRPr>
-          </a:p>
-        </p:txBody>
-      </p:sp>
-      <p:sp>
-        <p:nvSpPr>
-          <p:cNvPr id="16" name="Rectangle 15"/>
-          <p:cNvSpPr/>
-          <p:nvPr/>
-        </p:nvSpPr>
-        <p:spPr>
-          <a:xfrm>
-            <a:off x="1143000" y="762000"/>
-            <a:ext cx="7162800" cy="3048000"/>
-          </a:xfrm>
-          <a:prstGeom prst="rect">
-            <a:avLst/>
-          </a:prstGeom>
-          <a:solidFill>
-            <a:schemeClr val="accent2">
-              <a:lumMod val="20000"/>
-              <a:lumOff val="80000"/>
-              <a:alpha val="80000"/>
-            </a:schemeClr>
-          </a:solidFill>
-        </p:spPr>
-        <p:style>
-          <a:lnRef idx="2">
-            <a:schemeClr val="accent1">
-              <a:shade val="50000"/>
-            </a:schemeClr>
-          </a:lnRef>
-          <a:fillRef idx="1">
-            <a:schemeClr val="accent1"/>
-          </a:fillRef>
-          <a:effectRef idx="0">
-            <a:schemeClr val="accent1"/>
-          </a:effectRef>
-          <a:fontRef idx="minor">
-            <a:schemeClr val="lt1"/>
-          </a:fontRef>
-        </p:style>
-        <p:txBody>
-          <a:bodyPr rtlCol="0" anchor="ctr"/>
-          <a:lstStyle/>
-          <a:p>
-            <a:pPr algn="ctr"/>
-            <a:endParaRPr lang="en-US"/>
-          </a:p>
-        </p:txBody>
-      </p:sp>
-      <p:sp useBgFill="1">
-        <p:nvSpPr>
-          <p:cNvPr id="17" name="Oval 16"/>
-          <p:cNvSpPr/>
-          <p:nvPr/>
-        </p:nvSpPr>
-        <p:spPr>
-          <a:xfrm>
-            <a:off x="5670699" y="778865"/>
-            <a:ext cx="2728291" cy="2029902"/>
-          </a:xfrm>
-          <a:prstGeom prst="ellipse">
-            <a:avLst/>
-          </a:prstGeom>
-          <a:ln w="50800">
-            <a:solidFill>
-              <a:schemeClr val="tx1"/>
-            </a:solidFill>
-          </a:ln>
-        </p:spPr>
-        <p:style>
-          <a:lnRef idx="2">
-            <a:schemeClr val="accent1">
-              <a:shade val="50000"/>
-            </a:schemeClr>
-          </a:lnRef>
-          <a:fillRef idx="1">
-            <a:schemeClr val="accent1"/>
-          </a:fillRef>
-          <a:effectRef idx="0">
-            <a:schemeClr val="accent1"/>
-          </a:effectRef>
-          <a:fontRef idx="minor">
-            <a:schemeClr val="lt1"/>
-          </a:fontRef>
-        </p:style>
-        <p:txBody>
-          <a:bodyPr rtlCol="0" anchor="ctr"/>
-          <a:lstStyle/>
-          <a:p>
-            <a:pPr algn="ctr"/>
-            <a:endParaRPr lang="en-US"/>
-          </a:p>
-        </p:txBody>
-      </p:sp>
-      <p:sp>
-        <p:nvSpPr>
-          <p:cNvPr id="8" name="Rectangle 7"/>
-          <p:cNvSpPr/>
-          <p:nvPr/>
-        </p:nvSpPr>
-        <p:spPr>
-          <a:xfrm>
-            <a:off x="6198705" y="1066800"/>
-            <a:ext cx="1691640" cy="640080"/>
-          </a:xfrm>
-          <a:prstGeom prst="rect">
-            <a:avLst/>
-          </a:prstGeom>
-          <a:solidFill>
-            <a:schemeClr val="bg2">
-              <a:lumMod val="40000"/>
-              <a:lumOff val="60000"/>
-            </a:schemeClr>
-          </a:solidFill>
-          <a:ln>
-            <a:solidFill>
-              <a:schemeClr val="tx1"/>
-            </a:solidFill>
-          </a:ln>
-        </p:spPr>
-        <p:style>
-          <a:lnRef idx="2">
-            <a:schemeClr val="accent1">
-              <a:shade val="50000"/>
-            </a:schemeClr>
-          </a:lnRef>
-          <a:fillRef idx="1">
-            <a:schemeClr val="accent1"/>
-          </a:fillRef>
-          <a:effectRef idx="0">
-            <a:schemeClr val="accent1"/>
-          </a:effectRef>
-          <a:fontRef idx="minor">
-            <a:schemeClr val="lt1"/>
-          </a:fontRef>
-        </p:style>
-        <p:txBody>
-          <a:bodyPr rtlCol="0" anchor="ctr"/>
-          <a:lstStyle/>
-          <a:p>
-            <a:pPr algn="ctr"/>
-            <a:r>
-              <a:rPr lang="en-US" sz="2000" b="1" dirty="0" smtClean="0">
-                <a:solidFill>
-                  <a:schemeClr val="tx1"/>
-                </a:solidFill>
-              </a:rPr>
-              <a:t>Natural Mortality</a:t>
-            </a:r>
-            <a:endParaRPr lang="en-US" b="1" dirty="0">
-              <a:solidFill>
-                <a:schemeClr val="tx1"/>
-              </a:solidFill>
-            </a:endParaRPr>
-          </a:p>
-        </p:txBody>
-      </p:sp>
-      <p:sp>
-        <p:nvSpPr>
-          <p:cNvPr id="9" name="Rectangle 8"/>
-          <p:cNvSpPr/>
-          <p:nvPr/>
-        </p:nvSpPr>
-        <p:spPr>
-          <a:xfrm>
-            <a:off x="6182139" y="1905000"/>
-            <a:ext cx="1691640" cy="640080"/>
-          </a:xfrm>
-          <a:prstGeom prst="rect">
-            <a:avLst/>
-          </a:prstGeom>
-          <a:solidFill>
-            <a:schemeClr val="bg2">
-              <a:lumMod val="40000"/>
-              <a:lumOff val="60000"/>
-            </a:schemeClr>
-          </a:solidFill>
-          <a:ln>
-            <a:solidFill>
-              <a:schemeClr val="tx1"/>
-            </a:solidFill>
-          </a:ln>
-        </p:spPr>
-        <p:style>
-          <a:lnRef idx="2">
-            <a:schemeClr val="accent1">
-              <a:shade val="50000"/>
-            </a:schemeClr>
-          </a:lnRef>
-          <a:fillRef idx="1">
-            <a:schemeClr val="accent1"/>
-          </a:fillRef>
-          <a:effectRef idx="0">
-            <a:schemeClr val="accent1"/>
-          </a:effectRef>
-          <a:fontRef idx="minor">
-            <a:schemeClr val="lt1"/>
-          </a:fontRef>
-        </p:style>
-        <p:txBody>
-          <a:bodyPr rtlCol="0" anchor="ctr"/>
-          <a:lstStyle/>
-          <a:p>
-            <a:pPr algn="ctr"/>
-            <a:r>
-              <a:rPr lang="en-US" sz="2000" b="1" dirty="0" smtClean="0">
-                <a:solidFill>
-                  <a:schemeClr val="tx1"/>
-                </a:solidFill>
-              </a:rPr>
-              <a:t>Fishing Mortality</a:t>
-            </a:r>
-            <a:endParaRPr lang="en-US" sz="2000" b="1" dirty="0">
-              <a:solidFill>
-                <a:schemeClr val="tx1"/>
-              </a:solidFill>
-            </a:endParaRPr>
-          </a:p>
-        </p:txBody>
-      </p:sp>
-      <p:sp>
-        <p:nvSpPr>
-          <p:cNvPr id="20" name="Rectangle 3"/>
-          <p:cNvSpPr txBox="1">
-            <a:spLocks noChangeArrowheads="1"/>
-          </p:cNvSpPr>
-          <p:nvPr/>
-        </p:nvSpPr>
-        <p:spPr bwMode="auto">
-          <a:xfrm>
-            <a:off x="457200" y="3886200"/>
-            <a:ext cx="8229600" cy="2514600"/>
-          </a:xfrm>
-          <a:prstGeom prst="rect">
-            <a:avLst/>
-          </a:prstGeom>
-          <a:noFill/>
-          <a:ln w="9525">
-            <a:noFill/>
-            <a:miter lim="800000"/>
-            <a:headEnd/>
-            <a:tailEnd/>
-          </a:ln>
-          <a:effectLst/>
-        </p:spPr>
-        <p:txBody>
-          <a:bodyPr vert="horz" wrap="square" lIns="91440" tIns="45720" rIns="91440" bIns="45720" numCol="1" anchor="t" anchorCtr="0" compatLnSpc="1">
-            <a:prstTxWarp prst="textNoShape">
-              <a:avLst/>
-            </a:prstTxWarp>
-          </a:bodyPr>
-          <a:lstStyle>
-            <a:lvl1pPr marL="0" indent="0" algn="ctr" rtl="0" fontAlgn="base">
-              <a:spcBef>
-                <a:spcPct val="20000"/>
-              </a:spcBef>
-              <a:spcAft>
-                <a:spcPct val="0"/>
-              </a:spcAft>
-              <a:buNone/>
-              <a:defRPr sz="3200">
-                <a:solidFill>
-                  <a:schemeClr val="tx1"/>
-                </a:solidFill>
-                <a:latin typeface="+mn-lt"/>
-                <a:ea typeface="+mn-ea"/>
-                <a:cs typeface="+mn-cs"/>
-              </a:defRPr>
-            </a:lvl1pPr>
-            <a:lvl2pPr marL="457200" indent="0" algn="ctr" rtl="0" fontAlgn="base">
-              <a:spcBef>
-                <a:spcPct val="20000"/>
-              </a:spcBef>
-              <a:spcAft>
-                <a:spcPct val="0"/>
-              </a:spcAft>
-              <a:buNone/>
-              <a:defRPr sz="2800">
-                <a:solidFill>
-                  <a:schemeClr val="tx1"/>
-                </a:solidFill>
-                <a:latin typeface="+mn-lt"/>
-              </a:defRPr>
-            </a:lvl2pPr>
-            <a:lvl3pPr marL="914400" indent="0" algn="ctr" rtl="0" fontAlgn="base">
-              <a:spcBef>
-                <a:spcPct val="20000"/>
-              </a:spcBef>
-              <a:spcAft>
-                <a:spcPct val="0"/>
-              </a:spcAft>
-              <a:buNone/>
-              <a:defRPr sz="2400">
-                <a:solidFill>
-                  <a:schemeClr val="tx1"/>
-                </a:solidFill>
-                <a:latin typeface="+mn-lt"/>
-              </a:defRPr>
-            </a:lvl3pPr>
-            <a:lvl4pPr marL="1371600" indent="0" algn="ctr" rtl="0" fontAlgn="base">
-              <a:spcBef>
-                <a:spcPct val="20000"/>
-              </a:spcBef>
-              <a:spcAft>
-                <a:spcPct val="0"/>
-              </a:spcAft>
-              <a:buNone/>
-              <a:defRPr sz="2000">
-                <a:solidFill>
-                  <a:schemeClr val="tx1"/>
-                </a:solidFill>
-                <a:latin typeface="+mn-lt"/>
-              </a:defRPr>
-            </a:lvl4pPr>
-            <a:lvl5pPr marL="1828800" indent="0" algn="ctr" rtl="0" fontAlgn="base">
-              <a:spcBef>
-                <a:spcPct val="20000"/>
-              </a:spcBef>
-              <a:spcAft>
-                <a:spcPct val="0"/>
-              </a:spcAft>
-              <a:buNone/>
-              <a:defRPr sz="2000">
-                <a:solidFill>
-                  <a:schemeClr val="tx1"/>
-                </a:solidFill>
-                <a:latin typeface="+mn-lt"/>
-              </a:defRPr>
-            </a:lvl5pPr>
-            <a:lvl6pPr marL="2286000" indent="0" algn="ctr" rtl="0" fontAlgn="base">
-              <a:spcBef>
-                <a:spcPct val="20000"/>
-              </a:spcBef>
-              <a:spcAft>
-                <a:spcPct val="0"/>
-              </a:spcAft>
-              <a:buNone/>
-              <a:defRPr sz="2000">
-                <a:solidFill>
-                  <a:schemeClr val="tx1"/>
-                </a:solidFill>
-                <a:latin typeface="+mn-lt"/>
-              </a:defRPr>
-            </a:lvl6pPr>
-            <a:lvl7pPr marL="2743200" indent="0" algn="ctr" rtl="0" fontAlgn="base">
-              <a:spcBef>
-                <a:spcPct val="20000"/>
-              </a:spcBef>
-              <a:spcAft>
-                <a:spcPct val="0"/>
-              </a:spcAft>
-              <a:buNone/>
-              <a:defRPr sz="2000">
-                <a:solidFill>
-                  <a:schemeClr val="tx1"/>
-                </a:solidFill>
-                <a:latin typeface="+mn-lt"/>
-              </a:defRPr>
-            </a:lvl7pPr>
-            <a:lvl8pPr marL="3200400" indent="0" algn="ctr" rtl="0" fontAlgn="base">
-              <a:spcBef>
-                <a:spcPct val="20000"/>
-              </a:spcBef>
-              <a:spcAft>
-                <a:spcPct val="0"/>
-              </a:spcAft>
-              <a:buNone/>
-              <a:defRPr sz="2000">
-                <a:solidFill>
-                  <a:schemeClr val="tx1"/>
-                </a:solidFill>
-                <a:latin typeface="+mn-lt"/>
-              </a:defRPr>
-            </a:lvl8pPr>
-            <a:lvl9pPr marL="3657600" indent="0" algn="ctr" rtl="0" fontAlgn="base">
-              <a:spcBef>
-                <a:spcPct val="20000"/>
-              </a:spcBef>
-              <a:spcAft>
-                <a:spcPct val="0"/>
-              </a:spcAft>
-              <a:buNone/>
-              <a:defRPr sz="2000">
-                <a:solidFill>
-                  <a:schemeClr val="tx1"/>
-                </a:solidFill>
-                <a:latin typeface="+mn-lt"/>
-              </a:defRPr>
-            </a:lvl9pPr>
-          </a:lstStyle>
-          <a:p>
-            <a:pPr lvl="1" indent="-457200" algn="l">
-              <a:lnSpc>
-                <a:spcPct val="90000"/>
-              </a:lnSpc>
-              <a:buFont typeface="Arial" pitchFamily="34" charset="0"/>
-              <a:buChar char="•"/>
-            </a:pPr>
-            <a:r>
-              <a:rPr lang="en-US" b="0" dirty="0" smtClean="0"/>
-              <a:t>F = instantaneous fishing mortality.</a:t>
-            </a:r>
-          </a:p>
-          <a:p>
-            <a:pPr lvl="1" indent="-457200" algn="l">
-              <a:lnSpc>
-                <a:spcPct val="90000"/>
-              </a:lnSpc>
-              <a:buFont typeface="Arial" pitchFamily="34" charset="0"/>
-              <a:buChar char="•"/>
-            </a:pPr>
-            <a:r>
-              <a:rPr lang="en-US" b="0" dirty="0" smtClean="0"/>
-              <a:t>M = instantaneous natural mortality.</a:t>
-            </a:r>
-          </a:p>
-          <a:p>
-            <a:pPr marL="742950" lvl="1" indent="-285750" algn="l">
-              <a:lnSpc>
-                <a:spcPct val="90000"/>
-              </a:lnSpc>
-              <a:buFont typeface="Arial" pitchFamily="34" charset="0"/>
-              <a:buChar char="•"/>
-            </a:pPr>
-            <a:endParaRPr lang="en-US" sz="1600" b="0" dirty="0" smtClean="0"/>
-          </a:p>
-          <a:p>
-            <a:pPr marL="457200" indent="-457200" algn="l">
-              <a:lnSpc>
-                <a:spcPct val="90000"/>
-              </a:lnSpc>
-              <a:buFont typeface="Arial" pitchFamily="34" charset="0"/>
-              <a:buChar char="•"/>
-            </a:pPr>
-            <a:r>
-              <a:rPr lang="en-US" b="0" dirty="0" smtClean="0"/>
-              <a:t>Components are additive; Thus, Z = F+M</a:t>
-            </a:r>
-          </a:p>
-          <a:p>
-            <a:pPr marL="285750" indent="-285750" algn="l">
-              <a:lnSpc>
-                <a:spcPct val="90000"/>
-              </a:lnSpc>
-              <a:buFont typeface="Arial" pitchFamily="34" charset="0"/>
-              <a:buChar char="•"/>
-            </a:pPr>
-            <a:endParaRPr lang="en-US" sz="1600" b="0" dirty="0" smtClean="0"/>
-          </a:p>
-          <a:p>
-            <a:pPr marL="457200" indent="-457200" algn="l">
-              <a:lnSpc>
-                <a:spcPct val="90000"/>
-              </a:lnSpc>
-              <a:buFont typeface="Arial" pitchFamily="34" charset="0"/>
-              <a:buChar char="•"/>
-            </a:pPr>
-            <a:r>
-              <a:rPr lang="en-US" b="0" dirty="0" smtClean="0"/>
-              <a:t>Controlling F is a major goal of many fisheries management strategies.</a:t>
-            </a:r>
-            <a:endParaRPr lang="en-US" b="0" dirty="0"/>
-          </a:p>
-        </p:txBody>
-      </p:sp>
-    </p:spTree>
-    <p:extLst>
-      <p:ext uri="{BB962C8B-B14F-4D97-AF65-F5344CB8AC3E}">
-        <p14:creationId xmlns:p14="http://schemas.microsoft.com/office/powerpoint/2010/main" val="879244148"/>
-      </p:ext>
-    </p:extLst>
-  </p:cSld>
-  <p:clrMapOvr>
-    <a:masterClrMapping/>
-  </p:clrMapOvr>
-  <p:timing>
-    <p:tnLst>
-      <p:par>
-        <p:cTn id="1" dur="indefinite" restart="never" nodeType="tmRoot">
-          <p:childTnLst>
-            <p:seq concurrent="1" nextAc="seek">
-              <p:cTn id="2" dur="indefinite" nodeType="mainSeq">
-                <p:childTnLst>
-                  <p:par>
-                    <p:cTn id="3" fill="hold">
-                      <p:stCondLst>
-                        <p:cond delay="indefinite"/>
-                      </p:stCondLst>
-                      <p:childTnLst>
-                        <p:par>
-                          <p:cTn id="4" fill="hold">
-                            <p:stCondLst>
-                              <p:cond delay="0"/>
-                            </p:stCondLst>
-                            <p:childTnLst>
-                              <p:par>
-                                <p:cTn id="5" presetID="1" presetClass="entr" presetSubtype="0" fill="hold" grpId="0" nodeType="clickEffect">
-                                  <p:stCondLst>
-                                    <p:cond delay="0"/>
-                                  </p:stCondLst>
-                                  <p:childTnLst>
-                                    <p:set>
-                                      <p:cBhvr>
-                                        <p:cTn id="6" dur="1" fill="hold">
-                                          <p:stCondLst>
-                                            <p:cond delay="0"/>
-                                          </p:stCondLst>
-                                        </p:cTn>
-                                        <p:tgtEl>
-                                          <p:spTgt spid="20">
-                                            <p:txEl>
-                                              <p:pRg st="0" end="0"/>
-                                            </p:txEl>
-                                          </p:spTgt>
-                                        </p:tgtEl>
-                                        <p:attrNameLst>
-                                          <p:attrName>style.visibility</p:attrName>
-                                        </p:attrNameLst>
-                                      </p:cBhvr>
-                                      <p:to>
-                                        <p:strVal val="visible"/>
-                                      </p:to>
-                                    </p:set>
-                                  </p:childTnLst>
-                                </p:cTn>
-                              </p:par>
-                            </p:childTnLst>
-                          </p:cTn>
-                        </p:par>
-                      </p:childTnLst>
-                    </p:cTn>
-                  </p:par>
-                  <p:par>
-                    <p:cTn id="7" fill="hold">
-                      <p:stCondLst>
-                        <p:cond delay="indefinite"/>
-                      </p:stCondLst>
-                      <p:childTnLst>
-                        <p:par>
-                          <p:cTn id="8" fill="hold">
-                            <p:stCondLst>
-                              <p:cond delay="0"/>
-                            </p:stCondLst>
-                            <p:childTnLst>
-                              <p:par>
-                                <p:cTn id="9" presetID="1" presetClass="entr" presetSubtype="0" fill="hold" grpId="0" nodeType="clickEffect">
-                                  <p:stCondLst>
-                                    <p:cond delay="0"/>
-                                  </p:stCondLst>
-                                  <p:childTnLst>
-                                    <p:set>
-                                      <p:cBhvr>
-                                        <p:cTn id="10" dur="1" fill="hold">
-                                          <p:stCondLst>
-                                            <p:cond delay="0"/>
-                                          </p:stCondLst>
-                                        </p:cTn>
-                                        <p:tgtEl>
-                                          <p:spTgt spid="20">
-                                            <p:txEl>
-                                              <p:pRg st="1" end="1"/>
-                                            </p:txEl>
-                                          </p:spTgt>
-                                        </p:tgtEl>
-                                        <p:attrNameLst>
-                                          <p:attrName>style.visibility</p:attrName>
-                                        </p:attrNameLst>
-                                      </p:cBhvr>
-                                      <p:to>
-                                        <p:strVal val="visible"/>
-                                      </p:to>
-                                    </p:set>
-                                  </p:childTnLst>
-                                </p:cTn>
-                              </p:par>
-                            </p:childTnLst>
-                          </p:cTn>
-                        </p:par>
-                      </p:childTnLst>
-                    </p:cTn>
-                  </p:par>
-                  <p:par>
-                    <p:cTn id="11" fill="hold">
-                      <p:stCondLst>
-                        <p:cond delay="indefinite"/>
-                      </p:stCondLst>
-                      <p:childTnLst>
-                        <p:par>
-                          <p:cTn id="12" fill="hold">
-                            <p:stCondLst>
-                              <p:cond delay="0"/>
-                            </p:stCondLst>
-                            <p:childTnLst>
-                              <p:par>
-                                <p:cTn id="13" presetID="1" presetClass="entr" presetSubtype="0" fill="hold" grpId="0" nodeType="clickEffect">
-                                  <p:stCondLst>
-                                    <p:cond delay="0"/>
-                                  </p:stCondLst>
-                                  <p:childTnLst>
-                                    <p:set>
-                                      <p:cBhvr>
-                                        <p:cTn id="14" dur="1" fill="hold">
-                                          <p:stCondLst>
-                                            <p:cond delay="0"/>
-                                          </p:stCondLst>
-                                        </p:cTn>
-                                        <p:tgtEl>
-                                          <p:spTgt spid="20">
-                                            <p:txEl>
-                                              <p:pRg st="3" end="3"/>
-                                            </p:txEl>
-                                          </p:spTgt>
-                                        </p:tgtEl>
-                                        <p:attrNameLst>
-                                          <p:attrName>style.visibility</p:attrName>
-                                        </p:attrNameLst>
-                                      </p:cBhvr>
-                                      <p:to>
-                                        <p:strVal val="visible"/>
-                                      </p:to>
-                                    </p:set>
-                                  </p:childTnLst>
-                                </p:cTn>
-                              </p:par>
-                            </p:childTnLst>
-                          </p:cTn>
-                        </p:par>
-                      </p:childTnLst>
-                    </p:cTn>
-                  </p:par>
-                  <p:par>
-                    <p:cTn id="15" fill="hold">
-                      <p:stCondLst>
-                        <p:cond delay="indefinite"/>
-                      </p:stCondLst>
-                      <p:childTnLst>
-                        <p:par>
-                          <p:cTn id="16" fill="hold">
-                            <p:stCondLst>
-                              <p:cond delay="0"/>
-                            </p:stCondLst>
-                            <p:childTnLst>
-                              <p:par>
-                                <p:cTn id="17" presetID="1" presetClass="entr" presetSubtype="0" fill="hold" grpId="0" nodeType="clickEffect">
-                                  <p:stCondLst>
-                                    <p:cond delay="0"/>
-                                  </p:stCondLst>
-                                  <p:childTnLst>
-                                    <p:set>
-                                      <p:cBhvr>
-                                        <p:cTn id="18" dur="1" fill="hold">
-                                          <p:stCondLst>
-                                            <p:cond delay="0"/>
-                                          </p:stCondLst>
-                                        </p:cTn>
-                                        <p:tgtEl>
-                                          <p:spTgt spid="20">
-                                            <p:txEl>
-                                              <p:pRg st="5" end="5"/>
-                                            </p:txEl>
-                                          </p:spTgt>
-                                        </p:tgtEl>
-                                        <p:attrNameLst>
-                                          <p:attrName>style.visibility</p:attrName>
-                                        </p:attrNameLst>
-                                      </p:cBhvr>
-                                      <p:to>
-                                        <p:strVal val="visible"/>
-                                      </p:to>
-                                    </p:set>
-                                  </p:childTnLst>
-                                </p:cTn>
-                              </p:par>
-                            </p:childTnLst>
-                          </p:cTn>
-                        </p:par>
-                      </p:childTnLst>
-                    </p:cTn>
-                  </p:par>
-                </p:childTnLst>
-              </p:cTn>
-              <p:prevCondLst>
-                <p:cond evt="onPrev" delay="0">
-                  <p:tgtEl>
-                    <p:sldTgt/>
-                  </p:tgtEl>
-                </p:cond>
-              </p:prevCondLst>
-              <p:nextCondLst>
-                <p:cond evt="onNext" delay="0">
-                  <p:tgtEl>
-                    <p:sldTgt/>
-                  </p:tgtEl>
-                </p:cond>
-              </p:nextCondLst>
-            </p:seq>
-          </p:childTnLst>
-        </p:cTn>
-      </p:par>
-    </p:tnLst>
-    <p:bldLst>
-      <p:bldP spid="20" grpId="0" build="p"/>
-    </p:bldLst>
-  </p:timing>
-</p:sld>
-</file>
-
-<file path=ppt/slides/slide14.xml><?xml version="1.0" encoding="utf-8"?>
-<p:sld xmlns:a="http://schemas.openxmlformats.org/drawingml/2006/main" xmlns:r="http://schemas.openxmlformats.org/officeDocument/2006/relationships" xmlns:p="http://schemas.openxmlformats.org/presentationml/2006/main">
-  <p:cSld>
-    <p:spTree>
-      <p:nvGrpSpPr>
-        <p:cNvPr id="1" name=""/>
-        <p:cNvGrpSpPr/>
-        <p:nvPr/>
-      </p:nvGrpSpPr>
-      <p:grpSpPr>
-        <a:xfrm>
-          <a:off x="0" y="0"/>
-          <a:ext cx="0" cy="0"/>
-          <a:chOff x="0" y="0"/>
-          <a:chExt cx="0" cy="0"/>
-        </a:xfrm>
-      </p:grpSpPr>
-      <p:sp>
-        <p:nvSpPr>
-          <p:cNvPr id="2" name="Title 1"/>
-          <p:cNvSpPr>
-            <a:spLocks noGrp="1"/>
-          </p:cNvSpPr>
-          <p:nvPr>
-            <p:ph type="title"/>
-          </p:nvPr>
-        </p:nvSpPr>
-        <p:spPr/>
-        <p:txBody>
-          <a:bodyPr/>
-          <a:lstStyle/>
-          <a:p>
-            <a:r>
-              <a:rPr lang="en-US" dirty="0" smtClean="0"/>
-              <a:t>Estimating M</a:t>
-            </a:r>
-            <a:endParaRPr lang="en-US" dirty="0"/>
-          </a:p>
-        </p:txBody>
-      </p:sp>
-      <p:sp>
-        <p:nvSpPr>
-          <p:cNvPr id="3" name="Content Placeholder 2"/>
-          <p:cNvSpPr>
-            <a:spLocks noGrp="1"/>
-          </p:cNvSpPr>
-          <p:nvPr>
-            <p:ph idx="1"/>
-          </p:nvPr>
-        </p:nvSpPr>
-        <p:spPr>
-          <a:xfrm>
-            <a:off x="457200" y="914400"/>
-            <a:ext cx="8229600" cy="5334000"/>
-          </a:xfrm>
-        </p:spPr>
-        <p:txBody>
-          <a:bodyPr/>
-          <a:lstStyle/>
-          <a:p>
-            <a:r>
-              <a:rPr lang="en-US" dirty="0" smtClean="0"/>
-              <a:t>Assume a constant value for M</a:t>
-            </a:r>
-          </a:p>
-          <a:p>
-            <a:pPr lvl="1"/>
-            <a:r>
-              <a:rPr lang="en-US" dirty="0" smtClean="0"/>
-              <a:t>Typically use M=0.2</a:t>
-            </a:r>
-          </a:p>
-          <a:p>
-            <a:pPr lvl="1"/>
-            <a:r>
-              <a:rPr lang="en-US" dirty="0" smtClean="0"/>
-              <a:t>Is this realistic?</a:t>
-            </a:r>
-          </a:p>
-        </p:txBody>
-      </p:sp>
-      <p:sp>
-        <p:nvSpPr>
-          <p:cNvPr id="4" name="Footer Placeholder 3"/>
-          <p:cNvSpPr>
-            <a:spLocks noGrp="1"/>
-          </p:cNvSpPr>
-          <p:nvPr>
-            <p:ph type="ftr" sz="quarter" idx="10"/>
-          </p:nvPr>
-        </p:nvSpPr>
-        <p:spPr/>
-        <p:txBody>
-          <a:bodyPr/>
-          <a:lstStyle/>
-          <a:p>
-            <a:r>
-              <a:rPr lang="en-US" smtClean="0"/>
-              <a:t>Catch Curves</a:t>
-            </a:r>
-            <a:endParaRPr lang="en-US"/>
-          </a:p>
-        </p:txBody>
-      </p:sp>
-      <p:sp>
-        <p:nvSpPr>
-          <p:cNvPr id="5" name="Slide Number Placeholder 4"/>
-          <p:cNvSpPr>
-            <a:spLocks noGrp="1"/>
-          </p:cNvSpPr>
-          <p:nvPr>
-            <p:ph type="sldNum" sz="quarter" idx="11"/>
-          </p:nvPr>
-        </p:nvSpPr>
-        <p:spPr/>
-        <p:txBody>
-          <a:bodyPr/>
-          <a:lstStyle/>
-          <a:p>
-            <a:fld id="{CD41EA97-E434-4B42-9B1A-D37266F43B39}" type="slidenum">
-              <a:rPr lang="en-US" smtClean="0"/>
-              <a:pPr/>
-              <a:t>14</a:t>
-            </a:fld>
-            <a:endParaRPr lang="en-US"/>
-          </a:p>
-        </p:txBody>
-      </p:sp>
-    </p:spTree>
-    <p:extLst>
-      <p:ext uri="{BB962C8B-B14F-4D97-AF65-F5344CB8AC3E}">
-        <p14:creationId xmlns:p14="http://schemas.microsoft.com/office/powerpoint/2010/main" val="3980126436"/>
-      </p:ext>
-    </p:extLst>
-  </p:cSld>
-  <p:clrMapOvr>
-    <a:masterClrMapping/>
-  </p:clrMapOvr>
-  <p:timing>
-    <p:tnLst>
-      <p:par>
-        <p:cTn id="1" dur="indefinite" restart="never" nodeType="tmRoot">
-          <p:childTnLst>
-            <p:seq concurrent="1" nextAc="seek">
-              <p:cTn id="2" dur="indefinite" nodeType="mainSeq">
-                <p:childTnLst>
-                  <p:par>
-                    <p:cTn id="3" fill="hold">
-                      <p:stCondLst>
-                        <p:cond delay="indefinite"/>
-                      </p:stCondLst>
-                      <p:childTnLst>
-                        <p:par>
-                          <p:cTn id="4" fill="hold">
-                            <p:stCondLst>
-                              <p:cond delay="0"/>
-                            </p:stCondLst>
-                            <p:childTnLst>
-                              <p:par>
-                                <p:cTn id="5" presetID="1" presetClass="entr" presetSubtype="0" fill="hold" nodeType="clickEffect">
-                                  <p:stCondLst>
-                                    <p:cond delay="0"/>
-                                  </p:stCondLst>
-                                  <p:childTnLst>
-                                    <p:set>
-                                      <p:cBhvr>
-                                        <p:cTn id="6" dur="1" fill="hold">
-                                          <p:stCondLst>
-                                            <p:cond delay="0"/>
-                                          </p:stCondLst>
-                                        </p:cTn>
-                                        <p:tgtEl>
-                                          <p:spTgt spid="3">
-                                            <p:txEl>
-                                              <p:pRg st="2" end="2"/>
-                                            </p:txEl>
-                                          </p:spTgt>
-                                        </p:tgtEl>
-                                        <p:attrNameLst>
-                                          <p:attrName>style.visibility</p:attrName>
-                                        </p:attrNameLst>
-                                      </p:cBhvr>
-                                      <p:to>
-                                        <p:strVal val="visible"/>
-                                      </p:to>
-                                    </p:set>
-                                  </p:childTnLst>
-                                </p:cTn>
-                              </p:par>
-                            </p:childTnLst>
-                          </p:cTn>
-                        </p:par>
-                      </p:childTnLst>
-                    </p:cTn>
-                  </p:par>
-                </p:childTnLst>
-              </p:cTn>
-              <p:prevCondLst>
-                <p:cond evt="onPrev" delay="0">
-                  <p:tgtEl>
-                    <p:sldTgt/>
-                  </p:tgtEl>
-                </p:cond>
-              </p:prevCondLst>
-              <p:nextCondLst>
-                <p:cond evt="onNext" delay="0">
-                  <p:tgtEl>
-                    <p:sldTgt/>
-                  </p:tgtEl>
-                </p:cond>
-              </p:nextCondLst>
-            </p:seq>
-          </p:childTnLst>
-        </p:cTn>
-      </p:par>
-    </p:tnLst>
-  </p:timing>
-</p:sld>
-</file>
-
-<file path=ppt/slides/slide15.xml><?xml version="1.0" encoding="utf-8"?>
-<p:sld xmlns:a="http://schemas.openxmlformats.org/drawingml/2006/main" xmlns:r="http://schemas.openxmlformats.org/officeDocument/2006/relationships" xmlns:p="http://schemas.openxmlformats.org/presentationml/2006/main">
-  <p:cSld>
-    <p:spTree>
-      <p:nvGrpSpPr>
-        <p:cNvPr id="1" name=""/>
-        <p:cNvGrpSpPr/>
-        <p:nvPr/>
-      </p:nvGrpSpPr>
-      <p:grpSpPr>
-        <a:xfrm>
-          <a:off x="0" y="0"/>
-          <a:ext cx="0" cy="0"/>
-          <a:chOff x="0" y="0"/>
-          <a:chExt cx="0" cy="0"/>
-        </a:xfrm>
-      </p:grpSpPr>
-      <p:sp>
-        <p:nvSpPr>
-          <p:cNvPr id="2" name="Title 1"/>
-          <p:cNvSpPr>
-            <a:spLocks noGrp="1"/>
-          </p:cNvSpPr>
-          <p:nvPr>
-            <p:ph type="title"/>
-          </p:nvPr>
-        </p:nvSpPr>
-        <p:spPr/>
-        <p:txBody>
-          <a:bodyPr/>
-          <a:lstStyle/>
-          <a:p>
-            <a:r>
-              <a:rPr lang="en-US" dirty="0" smtClean="0"/>
-              <a:t>Estimating M</a:t>
-            </a:r>
-            <a:endParaRPr lang="en-US" dirty="0"/>
-          </a:p>
-        </p:txBody>
-      </p:sp>
-      <p:sp>
-        <p:nvSpPr>
-          <p:cNvPr id="3" name="Content Placeholder 2"/>
-          <p:cNvSpPr>
-            <a:spLocks noGrp="1"/>
-          </p:cNvSpPr>
-          <p:nvPr>
-            <p:ph idx="1"/>
-          </p:nvPr>
-        </p:nvSpPr>
-        <p:spPr>
-          <a:xfrm>
-            <a:off x="457200" y="914400"/>
-            <a:ext cx="8229600" cy="5562600"/>
-          </a:xfrm>
-        </p:spPr>
-        <p:txBody>
-          <a:bodyPr/>
-          <a:lstStyle/>
-          <a:p>
-            <a:r>
-              <a:rPr lang="en-US" dirty="0" smtClean="0">
-                <a:solidFill>
-                  <a:schemeClr val="bg1">
-                    <a:lumMod val="75000"/>
-                  </a:schemeClr>
-                </a:solidFill>
-              </a:rPr>
-              <a:t>Assume a constant value for M</a:t>
-            </a:r>
-          </a:p>
-          <a:p>
-            <a:r>
-              <a:rPr lang="en-US" dirty="0" smtClean="0"/>
-              <a:t>Relationship of M to life history traits</a:t>
-            </a:r>
-          </a:p>
-          <a:p>
-            <a:pPr lvl="1"/>
-            <a:r>
-              <a:rPr lang="en-US" dirty="0" smtClean="0"/>
-              <a:t>Hewitt and </a:t>
-            </a:r>
-            <a:r>
-              <a:rPr lang="en-US" dirty="0" err="1" smtClean="0"/>
-              <a:t>Hoenig</a:t>
-            </a:r>
-            <a:r>
-              <a:rPr lang="en-US" dirty="0" smtClean="0"/>
-              <a:t> (2005)</a:t>
-            </a:r>
-          </a:p>
-          <a:p>
-            <a:pPr lvl="1"/>
-            <a:endParaRPr lang="en-US" sz="4000" dirty="0"/>
-          </a:p>
-          <a:p>
-            <a:pPr lvl="1"/>
-            <a:r>
-              <a:rPr lang="en-US" dirty="0" smtClean="0"/>
-              <a:t>Richter and </a:t>
-            </a:r>
-            <a:r>
-              <a:rPr lang="en-US" dirty="0" err="1" smtClean="0"/>
-              <a:t>Efanov</a:t>
-            </a:r>
-            <a:r>
-              <a:rPr lang="en-US" dirty="0" smtClean="0"/>
-              <a:t> (1977)</a:t>
-            </a:r>
-          </a:p>
-          <a:p>
-            <a:pPr lvl="1"/>
-            <a:endParaRPr lang="en-US" dirty="0"/>
-          </a:p>
-          <a:p>
-            <a:pPr lvl="1"/>
-            <a:endParaRPr lang="en-US" dirty="0" smtClean="0"/>
-          </a:p>
-          <a:p>
-            <a:pPr lvl="1"/>
-            <a:r>
-              <a:rPr lang="en-US" dirty="0" err="1" smtClean="0"/>
-              <a:t>Pauly</a:t>
-            </a:r>
-            <a:r>
-              <a:rPr lang="en-US" dirty="0" smtClean="0"/>
-              <a:t> (1980)</a:t>
-            </a:r>
-            <a:endParaRPr lang="en-US" dirty="0"/>
-          </a:p>
-        </p:txBody>
-      </p:sp>
-      <p:sp>
-        <p:nvSpPr>
-          <p:cNvPr id="4" name="Footer Placeholder 3"/>
-          <p:cNvSpPr>
-            <a:spLocks noGrp="1"/>
-          </p:cNvSpPr>
-          <p:nvPr>
-            <p:ph type="ftr" sz="quarter" idx="10"/>
-          </p:nvPr>
-        </p:nvSpPr>
-        <p:spPr/>
-        <p:txBody>
-          <a:bodyPr/>
-          <a:lstStyle/>
-          <a:p>
-            <a:r>
-              <a:rPr lang="en-US" smtClean="0"/>
-              <a:t>Catch Curves</a:t>
-            </a:r>
-            <a:endParaRPr lang="en-US"/>
-          </a:p>
-        </p:txBody>
-      </p:sp>
-      <p:sp>
-        <p:nvSpPr>
-          <p:cNvPr id="5" name="Slide Number Placeholder 4"/>
-          <p:cNvSpPr>
-            <a:spLocks noGrp="1"/>
-          </p:cNvSpPr>
-          <p:nvPr>
-            <p:ph type="sldNum" sz="quarter" idx="11"/>
-          </p:nvPr>
-        </p:nvSpPr>
-        <p:spPr/>
-        <p:txBody>
-          <a:bodyPr/>
-          <a:lstStyle/>
-          <a:p>
-            <a:fld id="{CD41EA97-E434-4B42-9B1A-D37266F43B39}" type="slidenum">
-              <a:rPr lang="en-US" smtClean="0"/>
-              <a:pPr/>
-              <a:t>15</a:t>
-            </a:fld>
-            <a:endParaRPr lang="en-US"/>
-          </a:p>
-        </p:txBody>
-      </p:sp>
-      <p:pic>
-        <p:nvPicPr>
-          <p:cNvPr id="1027" name="Picture 3"/>
-          <p:cNvPicPr>
-            <a:picLocks noChangeAspect="1" noChangeArrowheads="1"/>
-          </p:cNvPicPr>
-          <p:nvPr/>
-        </p:nvPicPr>
-        <p:blipFill>
-          <a:blip r:embed="rId3">
-            <a:extLst>
-              <a:ext uri="{28A0092B-C50C-407E-A947-70E740481C1C}">
-                <a14:useLocalDpi xmlns:a14="http://schemas.microsoft.com/office/drawing/2010/main" val="0"/>
-              </a:ext>
-            </a:extLst>
-          </a:blip>
-          <a:srcRect/>
-          <a:stretch>
-            <a:fillRect/>
-          </a:stretch>
-        </p:blipFill>
-        <p:spPr bwMode="auto">
-          <a:xfrm>
-            <a:off x="5715000" y="2057400"/>
-            <a:ext cx="1676400" cy="1080097"/>
-          </a:xfrm>
-          <a:prstGeom prst="rect">
-            <a:avLst/>
-          </a:prstGeom>
-          <a:noFill/>
-          <a:ln>
-            <a:noFill/>
-          </a:ln>
-          <a:effectLst/>
-          <a:extLst>
-            <a:ext uri="{909E8E84-426E-40DD-AFC4-6F175D3DCCD1}">
-              <a14:hiddenFill xmlns:a14="http://schemas.microsoft.com/office/drawing/2010/main">
-                <a:solidFill>
-                  <a:schemeClr val="accent1"/>
-                </a:solidFill>
-              </a14:hiddenFill>
-            </a:ext>
-            <a:ext uri="{91240B29-F687-4F45-9708-019B960494DF}">
-              <a14:hiddenLine xmlns:a14="http://schemas.microsoft.com/office/drawing/2010/main" w="9525">
-                <a:solidFill>
-                  <a:schemeClr val="tx1"/>
-                </a:solidFill>
-                <a:miter lim="800000"/>
-                <a:headEnd/>
-                <a:tailEnd/>
-              </a14:hiddenLine>
-            </a:ext>
-            <a:ext uri="{AF507438-7753-43E0-B8FC-AC1667EBCBE1}">
-              <a14:hiddenEffects xmlns:a14="http://schemas.microsoft.com/office/drawing/2010/main">
-                <a:effectLst>
-                  <a:outerShdw dist="35921" dir="2700000" algn="ctr" rotWithShape="0">
-                    <a:schemeClr val="bg2"/>
-                  </a:outerShdw>
-                </a:effectLst>
-              </a14:hiddenEffects>
-            </a:ext>
-          </a:extLst>
-        </p:spPr>
-      </p:pic>
-      <p:pic>
-        <p:nvPicPr>
-          <p:cNvPr id="1028" name="Picture 4"/>
-          <p:cNvPicPr>
-            <a:picLocks noChangeAspect="1" noChangeArrowheads="1"/>
-          </p:cNvPicPr>
-          <p:nvPr/>
-        </p:nvPicPr>
-        <p:blipFill>
-          <a:blip r:embed="rId4">
-            <a:extLst>
-              <a:ext uri="{28A0092B-C50C-407E-A947-70E740481C1C}">
-                <a14:useLocalDpi xmlns:a14="http://schemas.microsoft.com/office/drawing/2010/main" val="0"/>
-              </a:ext>
-            </a:extLst>
-          </a:blip>
-          <a:srcRect/>
-          <a:stretch>
-            <a:fillRect/>
-          </a:stretch>
-        </p:blipFill>
-        <p:spPr bwMode="auto">
-          <a:xfrm>
-            <a:off x="1457325" y="5376532"/>
-            <a:ext cx="7360708" cy="990600"/>
-          </a:xfrm>
-          <a:prstGeom prst="rect">
-            <a:avLst/>
-          </a:prstGeom>
-          <a:noFill/>
-          <a:ln>
-            <a:noFill/>
-          </a:ln>
-          <a:effectLst/>
-          <a:extLst>
-            <a:ext uri="{909E8E84-426E-40DD-AFC4-6F175D3DCCD1}">
-              <a14:hiddenFill xmlns:a14="http://schemas.microsoft.com/office/drawing/2010/main">
-                <a:solidFill>
-                  <a:schemeClr val="accent1"/>
-                </a:solidFill>
-              </a14:hiddenFill>
-            </a:ext>
-            <a:ext uri="{91240B29-F687-4F45-9708-019B960494DF}">
-              <a14:hiddenLine xmlns:a14="http://schemas.microsoft.com/office/drawing/2010/main" w="9525">
-                <a:solidFill>
-                  <a:schemeClr val="tx1"/>
-                </a:solidFill>
-                <a:miter lim="800000"/>
-                <a:headEnd/>
-                <a:tailEnd/>
-              </a14:hiddenLine>
-            </a:ext>
-            <a:ext uri="{AF507438-7753-43E0-B8FC-AC1667EBCBE1}">
-              <a14:hiddenEffects xmlns:a14="http://schemas.microsoft.com/office/drawing/2010/main">
-                <a:effectLst>
-                  <a:outerShdw dist="35921" dir="2700000" algn="ctr" rotWithShape="0">
-                    <a:schemeClr val="bg2"/>
-                  </a:outerShdw>
-                </a:effectLst>
-              </a14:hiddenEffects>
-            </a:ext>
-          </a:extLst>
-        </p:spPr>
-      </p:pic>
-      <p:pic>
-        <p:nvPicPr>
-          <p:cNvPr id="1029" name="Picture 5"/>
-          <p:cNvPicPr>
-            <a:picLocks noChangeAspect="1" noChangeArrowheads="1"/>
-          </p:cNvPicPr>
-          <p:nvPr/>
-        </p:nvPicPr>
-        <p:blipFill>
-          <a:blip r:embed="rId5">
-            <a:extLst>
-              <a:ext uri="{28A0092B-C50C-407E-A947-70E740481C1C}">
-                <a14:useLocalDpi xmlns:a14="http://schemas.microsoft.com/office/drawing/2010/main" val="0"/>
-              </a:ext>
-            </a:extLst>
-          </a:blip>
-          <a:srcRect/>
-          <a:stretch>
-            <a:fillRect/>
-          </a:stretch>
-        </p:blipFill>
-        <p:spPr bwMode="auto">
-          <a:xfrm>
-            <a:off x="5727094" y="3362491"/>
-            <a:ext cx="3285875" cy="1361909"/>
-          </a:xfrm>
-          <a:prstGeom prst="rect">
-            <a:avLst/>
-          </a:prstGeom>
-          <a:noFill/>
-          <a:ln>
-            <a:noFill/>
-          </a:ln>
-          <a:effectLst/>
-          <a:extLst>
-            <a:ext uri="{909E8E84-426E-40DD-AFC4-6F175D3DCCD1}">
-              <a14:hiddenFill xmlns:a14="http://schemas.microsoft.com/office/drawing/2010/main">
-                <a:solidFill>
-                  <a:schemeClr val="accent1"/>
-                </a:solidFill>
-              </a14:hiddenFill>
-            </a:ext>
-            <a:ext uri="{91240B29-F687-4F45-9708-019B960494DF}">
-              <a14:hiddenLine xmlns:a14="http://schemas.microsoft.com/office/drawing/2010/main" w="9525">
-                <a:solidFill>
-                  <a:schemeClr val="tx1"/>
-                </a:solidFill>
-                <a:miter lim="800000"/>
-                <a:headEnd/>
-                <a:tailEnd/>
-              </a14:hiddenLine>
-            </a:ext>
-            <a:ext uri="{AF507438-7753-43E0-B8FC-AC1667EBCBE1}">
-              <a14:hiddenEffects xmlns:a14="http://schemas.microsoft.com/office/drawing/2010/main">
-                <a:effectLst>
-                  <a:outerShdw dist="35921" dir="2700000" algn="ctr" rotWithShape="0">
-                    <a:schemeClr val="bg2"/>
-                  </a:outerShdw>
-                </a:effectLst>
-              </a14:hiddenEffects>
-            </a:ext>
-          </a:extLst>
-        </p:spPr>
-      </p:pic>
-    </p:spTree>
-    <p:extLst>
-      <p:ext uri="{BB962C8B-B14F-4D97-AF65-F5344CB8AC3E}">
-        <p14:creationId xmlns:p14="http://schemas.microsoft.com/office/powerpoint/2010/main" val="3695540127"/>
-      </p:ext>
-    </p:extLst>
-  </p:cSld>
-  <p:clrMapOvr>
-    <a:masterClrMapping/>
-  </p:clrMapOvr>
-  <p:timing>
-    <p:tnLst>
-      <p:par>
-        <p:cTn id="1" dur="indefinite" restart="never" nodeType="tmRoot">
-          <p:childTnLst>
-            <p:seq concurrent="1" nextAc="seek">
-              <p:cTn id="2" dur="indefinite" nodeType="mainSeq">
-                <p:childTnLst>
-                  <p:par>
-                    <p:cTn id="3" fill="hold">
-                      <p:stCondLst>
-                        <p:cond delay="indefinite"/>
-                      </p:stCondLst>
-                      <p:childTnLst>
-                        <p:par>
-                          <p:cTn id="4" fill="hold">
-                            <p:stCondLst>
-                              <p:cond delay="0"/>
-                            </p:stCondLst>
-                            <p:childTnLst>
-                              <p:par>
-                                <p:cTn id="5" presetID="1" presetClass="entr" presetSubtype="0" fill="hold" grpId="0" nodeType="clickEffect">
-                                  <p:stCondLst>
-                                    <p:cond delay="0"/>
-                                  </p:stCondLst>
-                                  <p:childTnLst>
-                                    <p:set>
-                                      <p:cBhvr>
-                                        <p:cTn id="6" dur="1" fill="hold">
-                                          <p:stCondLst>
-                                            <p:cond delay="0"/>
-                                          </p:stCondLst>
-                                        </p:cTn>
-                                        <p:tgtEl>
-                                          <p:spTgt spid="3">
-                                            <p:txEl>
-                                              <p:pRg st="2" end="2"/>
-                                            </p:txEl>
-                                          </p:spTgt>
-                                        </p:tgtEl>
-                                        <p:attrNameLst>
-                                          <p:attrName>style.visibility</p:attrName>
-                                        </p:attrNameLst>
-                                      </p:cBhvr>
-                                      <p:to>
-                                        <p:strVal val="visible"/>
-                                      </p:to>
-                                    </p:set>
-                                  </p:childTnLst>
-                                </p:cTn>
-                              </p:par>
-                            </p:childTnLst>
-                          </p:cTn>
-                        </p:par>
-                        <p:par>
-                          <p:cTn id="7" fill="hold">
-                            <p:stCondLst>
-                              <p:cond delay="0"/>
-                            </p:stCondLst>
-                            <p:childTnLst>
-                              <p:par>
-                                <p:cTn id="8" presetID="1" presetClass="entr" presetSubtype="0" fill="hold" nodeType="afterEffect">
-                                  <p:stCondLst>
-                                    <p:cond delay="0"/>
-                                  </p:stCondLst>
-                                  <p:childTnLst>
-                                    <p:set>
-                                      <p:cBhvr>
-                                        <p:cTn id="9" dur="1" fill="hold">
-                                          <p:stCondLst>
-                                            <p:cond delay="0"/>
-                                          </p:stCondLst>
-                                        </p:cTn>
-                                        <p:tgtEl>
-                                          <p:spTgt spid="1027"/>
-                                        </p:tgtEl>
-                                        <p:attrNameLst>
-                                          <p:attrName>style.visibility</p:attrName>
-                                        </p:attrNameLst>
-                                      </p:cBhvr>
-                                      <p:to>
-                                        <p:strVal val="visible"/>
-                                      </p:to>
-                                    </p:set>
-                                  </p:childTnLst>
-                                </p:cTn>
-                              </p:par>
-                            </p:childTnLst>
-                          </p:cTn>
-                        </p:par>
-                      </p:childTnLst>
-                    </p:cTn>
-                  </p:par>
-                  <p:par>
-                    <p:cTn id="10" fill="hold">
-                      <p:stCondLst>
-                        <p:cond delay="indefinite"/>
-                      </p:stCondLst>
-                      <p:childTnLst>
-                        <p:par>
-                          <p:cTn id="11" fill="hold">
-                            <p:stCondLst>
-                              <p:cond delay="0"/>
-                            </p:stCondLst>
-                            <p:childTnLst>
-                              <p:par>
-                                <p:cTn id="12" presetID="1" presetClass="entr" presetSubtype="0" fill="hold" grpId="0" nodeType="clickEffect">
-                                  <p:stCondLst>
-                                    <p:cond delay="0"/>
-                                  </p:stCondLst>
-                                  <p:childTnLst>
-                                    <p:set>
-                                      <p:cBhvr>
-                                        <p:cTn id="13" dur="1" fill="hold">
-                                          <p:stCondLst>
-                                            <p:cond delay="0"/>
-                                          </p:stCondLst>
-                                        </p:cTn>
-                                        <p:tgtEl>
-                                          <p:spTgt spid="3">
-                                            <p:txEl>
-                                              <p:pRg st="4" end="4"/>
-                                            </p:txEl>
-                                          </p:spTgt>
-                                        </p:tgtEl>
-                                        <p:attrNameLst>
-                                          <p:attrName>style.visibility</p:attrName>
-                                        </p:attrNameLst>
-                                      </p:cBhvr>
-                                      <p:to>
-                                        <p:strVal val="visible"/>
-                                      </p:to>
-                                    </p:set>
-                                  </p:childTnLst>
-                                </p:cTn>
-                              </p:par>
-                            </p:childTnLst>
-                          </p:cTn>
-                        </p:par>
-                        <p:par>
-                          <p:cTn id="14" fill="hold">
-                            <p:stCondLst>
-                              <p:cond delay="0"/>
-                            </p:stCondLst>
-                            <p:childTnLst>
-                              <p:par>
-                                <p:cTn id="15" presetID="1" presetClass="entr" presetSubtype="0" fill="hold" nodeType="afterEffect">
-                                  <p:stCondLst>
-                                    <p:cond delay="0"/>
-                                  </p:stCondLst>
-                                  <p:childTnLst>
-                                    <p:set>
-                                      <p:cBhvr>
-                                        <p:cTn id="16" dur="1" fill="hold">
-                                          <p:stCondLst>
-                                            <p:cond delay="0"/>
-                                          </p:stCondLst>
-                                        </p:cTn>
-                                        <p:tgtEl>
-                                          <p:spTgt spid="1029"/>
-                                        </p:tgtEl>
-                                        <p:attrNameLst>
-                                          <p:attrName>style.visibility</p:attrName>
-                                        </p:attrNameLst>
-                                      </p:cBhvr>
-                                      <p:to>
-                                        <p:strVal val="visible"/>
-                                      </p:to>
-                                    </p:set>
-                                  </p:childTnLst>
-                                </p:cTn>
-                              </p:par>
-                            </p:childTnLst>
-                          </p:cTn>
-                        </p:par>
-                      </p:childTnLst>
-                    </p:cTn>
-                  </p:par>
-                  <p:par>
-                    <p:cTn id="17" fill="hold">
-                      <p:stCondLst>
-                        <p:cond delay="indefinite"/>
-                      </p:stCondLst>
-                      <p:childTnLst>
-                        <p:par>
-                          <p:cTn id="18" fill="hold">
-                            <p:stCondLst>
-                              <p:cond delay="0"/>
-                            </p:stCondLst>
-                            <p:childTnLst>
-                              <p:par>
-                                <p:cTn id="19" presetID="1" presetClass="entr" presetSubtype="0" fill="hold" grpId="0" nodeType="clickEffect">
-                                  <p:stCondLst>
-                                    <p:cond delay="0"/>
-                                  </p:stCondLst>
-                                  <p:childTnLst>
-                                    <p:set>
-                                      <p:cBhvr>
-                                        <p:cTn id="20" dur="1" fill="hold">
-                                          <p:stCondLst>
-                                            <p:cond delay="0"/>
-                                          </p:stCondLst>
-                                        </p:cTn>
-                                        <p:tgtEl>
-                                          <p:spTgt spid="3">
-                                            <p:txEl>
-                                              <p:pRg st="7" end="7"/>
-                                            </p:txEl>
-                                          </p:spTgt>
-                                        </p:tgtEl>
-                                        <p:attrNameLst>
-                                          <p:attrName>style.visibility</p:attrName>
-                                        </p:attrNameLst>
-                                      </p:cBhvr>
-                                      <p:to>
-                                        <p:strVal val="visible"/>
-                                      </p:to>
-                                    </p:set>
-                                  </p:childTnLst>
-                                </p:cTn>
-                              </p:par>
-                            </p:childTnLst>
-                          </p:cTn>
-                        </p:par>
-                        <p:par>
-                          <p:cTn id="21" fill="hold">
-                            <p:stCondLst>
-                              <p:cond delay="0"/>
-                            </p:stCondLst>
-                            <p:childTnLst>
-                              <p:par>
-                                <p:cTn id="22" presetID="1" presetClass="entr" presetSubtype="0" fill="hold" nodeType="afterEffect">
-                                  <p:stCondLst>
-                                    <p:cond delay="0"/>
-                                  </p:stCondLst>
-                                  <p:childTnLst>
-                                    <p:set>
-                                      <p:cBhvr>
-                                        <p:cTn id="23" dur="1" fill="hold">
-                                          <p:stCondLst>
-                                            <p:cond delay="0"/>
-                                          </p:stCondLst>
-                                        </p:cTn>
-                                        <p:tgtEl>
-                                          <p:spTgt spid="1028"/>
-                                        </p:tgtEl>
-                                        <p:attrNameLst>
-                                          <p:attrName>style.visibility</p:attrName>
-                                        </p:attrNameLst>
-                                      </p:cBhvr>
-                                      <p:to>
-                                        <p:strVal val="visible"/>
-                                      </p:to>
-                                    </p:set>
-                                  </p:childTnLst>
-                                </p:cTn>
-                              </p:par>
-                            </p:childTnLst>
-                          </p:cTn>
-                        </p:par>
-                      </p:childTnLst>
-                    </p:cTn>
-                  </p:par>
-                </p:childTnLst>
-              </p:cTn>
-              <p:prevCondLst>
-                <p:cond evt="onPrev" delay="0">
-                  <p:tgtEl>
-                    <p:sldTgt/>
-                  </p:tgtEl>
-                </p:cond>
-              </p:prevCondLst>
-              <p:nextCondLst>
-                <p:cond evt="onNext" delay="0">
-                  <p:tgtEl>
-                    <p:sldTgt/>
-                  </p:tgtEl>
-                </p:cond>
-              </p:nextCondLst>
-            </p:seq>
-          </p:childTnLst>
-        </p:cTn>
-      </p:par>
-    </p:tnLst>
-    <p:bldLst>
-      <p:bldP spid="3" grpId="0" uiExpand="1" build="p"/>
-    </p:bldLst>
-  </p:timing>
-</p:sld>
-</file>
-
-<file path=ppt/slides/slide16.xml><?xml version="1.0" encoding="utf-8"?>
-<p:sld xmlns:a="http://schemas.openxmlformats.org/drawingml/2006/main" xmlns:r="http://schemas.openxmlformats.org/officeDocument/2006/relationships" xmlns:p="http://schemas.openxmlformats.org/presentationml/2006/main">
-  <p:cSld>
-    <p:spTree>
-      <p:nvGrpSpPr>
-        <p:cNvPr id="1" name=""/>
-        <p:cNvGrpSpPr/>
-        <p:nvPr/>
-      </p:nvGrpSpPr>
-      <p:grpSpPr>
-        <a:xfrm>
-          <a:off x="0" y="0"/>
-          <a:ext cx="0" cy="0"/>
-          <a:chOff x="0" y="0"/>
-          <a:chExt cx="0" cy="0"/>
-        </a:xfrm>
-      </p:grpSpPr>
-      <p:sp>
-        <p:nvSpPr>
-          <p:cNvPr id="2" name="Title 1"/>
-          <p:cNvSpPr>
-            <a:spLocks noGrp="1"/>
-          </p:cNvSpPr>
-          <p:nvPr>
-            <p:ph type="title"/>
-          </p:nvPr>
-        </p:nvSpPr>
-        <p:spPr/>
-        <p:txBody>
-          <a:bodyPr/>
-          <a:lstStyle/>
-          <a:p>
-            <a:r>
-              <a:rPr lang="en-US" dirty="0" smtClean="0"/>
-              <a:t>Estimating M</a:t>
-            </a:r>
-            <a:endParaRPr lang="en-US" dirty="0"/>
-          </a:p>
-        </p:txBody>
-      </p:sp>
-      <p:sp>
-        <p:nvSpPr>
-          <p:cNvPr id="3" name="Content Placeholder 2"/>
-          <p:cNvSpPr>
-            <a:spLocks noGrp="1"/>
-          </p:cNvSpPr>
-          <p:nvPr>
-            <p:ph idx="1"/>
-          </p:nvPr>
-        </p:nvSpPr>
-        <p:spPr>
-          <a:xfrm>
-            <a:off x="457200" y="914400"/>
-            <a:ext cx="8229600" cy="5562600"/>
-          </a:xfrm>
-        </p:spPr>
-        <p:txBody>
-          <a:bodyPr/>
-          <a:lstStyle/>
-          <a:p>
-            <a:r>
-              <a:rPr lang="en-US" dirty="0" smtClean="0">
-                <a:solidFill>
-                  <a:schemeClr val="bg1">
-                    <a:lumMod val="75000"/>
-                  </a:schemeClr>
-                </a:solidFill>
-              </a:rPr>
-              <a:t>Assume a constant value for M</a:t>
-            </a:r>
-          </a:p>
-          <a:p>
-            <a:r>
-              <a:rPr lang="en-US" dirty="0" smtClean="0">
-                <a:solidFill>
-                  <a:schemeClr val="bg1">
-                    <a:lumMod val="75000"/>
-                  </a:schemeClr>
-                </a:solidFill>
-              </a:rPr>
-              <a:t>Relationship of M to life history traits</a:t>
-            </a:r>
-          </a:p>
-          <a:p>
-            <a:r>
-              <a:rPr lang="en-US" dirty="0" smtClean="0"/>
-              <a:t>From f and Z</a:t>
-            </a:r>
-            <a:endParaRPr lang="en-US" dirty="0"/>
-          </a:p>
-          <a:p>
-            <a:pPr lvl="1"/>
-            <a:r>
-              <a:rPr lang="en-US" dirty="0"/>
-              <a:t>Recall that Z = </a:t>
-            </a:r>
-            <a:r>
-              <a:rPr lang="en-US" dirty="0" smtClean="0"/>
-              <a:t>F+M and F=</a:t>
-            </a:r>
-            <a:r>
-              <a:rPr lang="en-US" dirty="0" err="1" smtClean="0"/>
-              <a:t>qf</a:t>
-            </a:r>
-            <a:endParaRPr lang="en-US" dirty="0"/>
-          </a:p>
-          <a:p>
-            <a:pPr lvl="1"/>
-            <a:r>
-              <a:rPr lang="en-US" dirty="0" smtClean="0"/>
-              <a:t>Thus, Z </a:t>
-            </a:r>
-            <a:r>
-              <a:rPr lang="en-US" dirty="0"/>
-              <a:t>= </a:t>
-            </a:r>
-            <a:r>
-              <a:rPr lang="en-US" dirty="0" err="1"/>
-              <a:t>qf+M</a:t>
-            </a:r>
-            <a:endParaRPr lang="en-US" dirty="0"/>
-          </a:p>
-          <a:p>
-            <a:pPr lvl="1"/>
-            <a:r>
-              <a:rPr lang="en-US" dirty="0" smtClean="0"/>
-              <a:t>If </a:t>
-            </a:r>
-            <a:r>
-              <a:rPr lang="en-US" dirty="0"/>
-              <a:t>Z </a:t>
-            </a:r>
-            <a:r>
-              <a:rPr lang="en-US" dirty="0" smtClean="0"/>
-              <a:t>is estimated at different f, </a:t>
-            </a:r>
-            <a:r>
-              <a:rPr lang="en-US" dirty="0"/>
-              <a:t>then …</a:t>
-            </a:r>
-          </a:p>
-          <a:p>
-            <a:pPr lvl="2"/>
-            <a:r>
-              <a:rPr lang="en-US" dirty="0"/>
-              <a:t>M </a:t>
-            </a:r>
-            <a:r>
-              <a:rPr lang="en-US" dirty="0" smtClean="0"/>
-              <a:t>is the </a:t>
-            </a:r>
-            <a:r>
-              <a:rPr lang="en-US" dirty="0"/>
-              <a:t>intercept from the Z on f </a:t>
-            </a:r>
-            <a:r>
-              <a:rPr lang="en-US" dirty="0" smtClean="0"/>
-              <a:t>regression.</a:t>
-            </a:r>
-            <a:endParaRPr lang="en-US" dirty="0"/>
-          </a:p>
-          <a:p>
-            <a:pPr lvl="2"/>
-            <a:r>
-              <a:rPr lang="en-US" dirty="0"/>
-              <a:t>Same as asking what is Z when f = </a:t>
-            </a:r>
-            <a:r>
-              <a:rPr lang="en-US" dirty="0" smtClean="0"/>
-              <a:t>0.</a:t>
-            </a:r>
-          </a:p>
-          <a:p>
-            <a:pPr lvl="2"/>
-            <a:endParaRPr lang="en-US" dirty="0"/>
-          </a:p>
-          <a:p>
-            <a:pPr lvl="1"/>
-            <a:r>
-              <a:rPr lang="en-US" dirty="0" smtClean="0"/>
-              <a:t>f </a:t>
-            </a:r>
-            <a:r>
-              <a:rPr lang="en-US" dirty="0"/>
-              <a:t>and Z </a:t>
-            </a:r>
-            <a:r>
-              <a:rPr lang="en-US" dirty="0" smtClean="0"/>
-              <a:t>estimated over </a:t>
-            </a:r>
-            <a:r>
-              <a:rPr lang="en-US" dirty="0"/>
-              <a:t>a five year period</a:t>
-            </a:r>
-            <a:r>
-              <a:rPr lang="en-US" dirty="0" smtClean="0"/>
-              <a:t>.</a:t>
-            </a:r>
-          </a:p>
-          <a:p>
-            <a:pPr lvl="2"/>
-            <a:r>
-              <a:rPr lang="en-US" dirty="0" smtClean="0"/>
-              <a:t>See handout for estimate of M</a:t>
-            </a:r>
-            <a:endParaRPr lang="en-US" dirty="0"/>
-          </a:p>
-          <a:p>
-            <a:pPr lvl="1"/>
-            <a:endParaRPr lang="en-US" dirty="0"/>
-          </a:p>
-        </p:txBody>
-      </p:sp>
-      <p:sp>
-        <p:nvSpPr>
-          <p:cNvPr id="4" name="Footer Placeholder 3"/>
-          <p:cNvSpPr>
-            <a:spLocks noGrp="1"/>
-          </p:cNvSpPr>
-          <p:nvPr>
-            <p:ph type="ftr" sz="quarter" idx="10"/>
-          </p:nvPr>
-        </p:nvSpPr>
-        <p:spPr/>
-        <p:txBody>
-          <a:bodyPr/>
-          <a:lstStyle/>
-          <a:p>
-            <a:r>
-              <a:rPr lang="en-US" smtClean="0"/>
-              <a:t>Catch Curves</a:t>
-            </a:r>
-            <a:endParaRPr lang="en-US"/>
-          </a:p>
-        </p:txBody>
-      </p:sp>
-      <p:sp>
-        <p:nvSpPr>
-          <p:cNvPr id="5" name="Slide Number Placeholder 4"/>
-          <p:cNvSpPr>
-            <a:spLocks noGrp="1"/>
-          </p:cNvSpPr>
-          <p:nvPr>
-            <p:ph type="sldNum" sz="quarter" idx="11"/>
-          </p:nvPr>
-        </p:nvSpPr>
-        <p:spPr/>
-        <p:txBody>
-          <a:bodyPr/>
-          <a:lstStyle/>
-          <a:p>
-            <a:fld id="{CD41EA97-E434-4B42-9B1A-D37266F43B39}" type="slidenum">
-              <a:rPr lang="en-US" smtClean="0"/>
-              <a:pPr/>
-              <a:t>16</a:t>
-            </a:fld>
-            <a:endParaRPr lang="en-US"/>
-          </a:p>
-        </p:txBody>
-      </p:sp>
-    </p:spTree>
-    <p:extLst>
-      <p:ext uri="{BB962C8B-B14F-4D97-AF65-F5344CB8AC3E}">
-        <p14:creationId xmlns:p14="http://schemas.microsoft.com/office/powerpoint/2010/main" val="3298754029"/>
-      </p:ext>
-    </p:extLst>
-  </p:cSld>
-  <p:clrMapOvr>
-    <a:masterClrMapping/>
-  </p:clrMapOvr>
-  <p:timing>
-    <p:tnLst>
-      <p:par>
-        <p:cTn id="1" dur="indefinite" restart="never" nodeType="tmRoot">
-          <p:childTnLst>
-            <p:seq concurrent="1" nextAc="seek">
-              <p:cTn id="2" dur="indefinite" nodeType="mainSeq">
-                <p:childTnLst>
-                  <p:par>
-                    <p:cTn id="3" fill="hold">
-                      <p:stCondLst>
-                        <p:cond delay="indefinite"/>
-                      </p:stCondLst>
-                      <p:childTnLst>
-                        <p:par>
-                          <p:cTn id="4" fill="hold">
-                            <p:stCondLst>
-                              <p:cond delay="0"/>
-                            </p:stCondLst>
-                            <p:childTnLst>
-                              <p:par>
-                                <p:cTn id="5" presetID="1" presetClass="entr" presetSubtype="0" fill="hold" nodeType="clickEffect">
-                                  <p:stCondLst>
-                                    <p:cond delay="0"/>
-                                  </p:stCondLst>
-                                  <p:childTnLst>
-                                    <p:set>
-                                      <p:cBhvr>
-                                        <p:cTn id="6" dur="1" fill="hold">
-                                          <p:stCondLst>
-                                            <p:cond delay="0"/>
-                                          </p:stCondLst>
-                                        </p:cTn>
-                                        <p:tgtEl>
-                                          <p:spTgt spid="3">
-                                            <p:txEl>
-                                              <p:pRg st="3" end="3"/>
-                                            </p:txEl>
-                                          </p:spTgt>
-                                        </p:tgtEl>
-                                        <p:attrNameLst>
-                                          <p:attrName>style.visibility</p:attrName>
-                                        </p:attrNameLst>
-                                      </p:cBhvr>
-                                      <p:to>
-                                        <p:strVal val="visible"/>
-                                      </p:to>
-                                    </p:set>
-                                  </p:childTnLst>
-                                </p:cTn>
-                              </p:par>
-                            </p:childTnLst>
-                          </p:cTn>
-                        </p:par>
-                      </p:childTnLst>
-                    </p:cTn>
-                  </p:par>
-                  <p:par>
-                    <p:cTn id="7" fill="hold">
-                      <p:stCondLst>
-                        <p:cond delay="indefinite"/>
-                      </p:stCondLst>
-                      <p:childTnLst>
-                        <p:par>
-                          <p:cTn id="8" fill="hold">
-                            <p:stCondLst>
-                              <p:cond delay="0"/>
-                            </p:stCondLst>
-                            <p:childTnLst>
-                              <p:par>
-                                <p:cTn id="9" presetID="1" presetClass="entr" presetSubtype="0" fill="hold" nodeType="clickEffect">
-                                  <p:stCondLst>
-                                    <p:cond delay="0"/>
-                                  </p:stCondLst>
-                                  <p:childTnLst>
-                                    <p:set>
-                                      <p:cBhvr>
-                                        <p:cTn id="10" dur="1" fill="hold">
-                                          <p:stCondLst>
-                                            <p:cond delay="0"/>
-                                          </p:stCondLst>
-                                        </p:cTn>
-                                        <p:tgtEl>
-                                          <p:spTgt spid="3">
-                                            <p:txEl>
-                                              <p:pRg st="4" end="4"/>
-                                            </p:txEl>
-                                          </p:spTgt>
-                                        </p:tgtEl>
-                                        <p:attrNameLst>
-                                          <p:attrName>style.visibility</p:attrName>
-                                        </p:attrNameLst>
-                                      </p:cBhvr>
-                                      <p:to>
-                                        <p:strVal val="visible"/>
-                                      </p:to>
-                                    </p:set>
-                                  </p:childTnLst>
-                                </p:cTn>
-                              </p:par>
-                            </p:childTnLst>
-                          </p:cTn>
-                        </p:par>
-                      </p:childTnLst>
-                    </p:cTn>
-                  </p:par>
-                  <p:par>
-                    <p:cTn id="11" fill="hold">
-                      <p:stCondLst>
-                        <p:cond delay="indefinite"/>
-                      </p:stCondLst>
-                      <p:childTnLst>
-                        <p:par>
-                          <p:cTn id="12" fill="hold">
-                            <p:stCondLst>
-                              <p:cond delay="0"/>
-                            </p:stCondLst>
-                            <p:childTnLst>
-                              <p:par>
-                                <p:cTn id="13" presetID="1" presetClass="entr" presetSubtype="0" fill="hold" nodeType="clickEffect">
-                                  <p:stCondLst>
-                                    <p:cond delay="0"/>
-                                  </p:stCondLst>
-                                  <p:childTnLst>
-                                    <p:set>
-                                      <p:cBhvr>
-                                        <p:cTn id="14" dur="1" fill="hold">
-                                          <p:stCondLst>
-                                            <p:cond delay="0"/>
-                                          </p:stCondLst>
-                                        </p:cTn>
-                                        <p:tgtEl>
-                                          <p:spTgt spid="3">
-                                            <p:txEl>
-                                              <p:pRg st="5" end="5"/>
-                                            </p:txEl>
-                                          </p:spTgt>
-                                        </p:tgtEl>
-                                        <p:attrNameLst>
-                                          <p:attrName>style.visibility</p:attrName>
-                                        </p:attrNameLst>
-                                      </p:cBhvr>
-                                      <p:to>
-                                        <p:strVal val="visible"/>
-                                      </p:to>
-                                    </p:set>
-                                  </p:childTnLst>
-                                </p:cTn>
-                              </p:par>
-                            </p:childTnLst>
-                          </p:cTn>
-                        </p:par>
-                      </p:childTnLst>
-                    </p:cTn>
-                  </p:par>
-                  <p:par>
-                    <p:cTn id="15" fill="hold">
-                      <p:stCondLst>
-                        <p:cond delay="indefinite"/>
-                      </p:stCondLst>
-                      <p:childTnLst>
-                        <p:par>
-                          <p:cTn id="16" fill="hold">
-                            <p:stCondLst>
-                              <p:cond delay="0"/>
-                            </p:stCondLst>
-                            <p:childTnLst>
-                              <p:par>
-                                <p:cTn id="17" presetID="1" presetClass="entr" presetSubtype="0" fill="hold" nodeType="clickEffect">
-                                  <p:stCondLst>
-                                    <p:cond delay="0"/>
-                                  </p:stCondLst>
-                                  <p:childTnLst>
-                                    <p:set>
-                                      <p:cBhvr>
-                                        <p:cTn id="18" dur="1" fill="hold">
-                                          <p:stCondLst>
-                                            <p:cond delay="0"/>
-                                          </p:stCondLst>
-                                        </p:cTn>
-                                        <p:tgtEl>
-                                          <p:spTgt spid="3">
-                                            <p:txEl>
-                                              <p:pRg st="6" end="6"/>
-                                            </p:txEl>
-                                          </p:spTgt>
-                                        </p:tgtEl>
-                                        <p:attrNameLst>
-                                          <p:attrName>style.visibility</p:attrName>
-                                        </p:attrNameLst>
-                                      </p:cBhvr>
-                                      <p:to>
-                                        <p:strVal val="visible"/>
-                                      </p:to>
-                                    </p:set>
-                                  </p:childTnLst>
-                                </p:cTn>
-                              </p:par>
-                            </p:childTnLst>
-                          </p:cTn>
-                        </p:par>
-                      </p:childTnLst>
-                    </p:cTn>
-                  </p:par>
-                  <p:par>
-                    <p:cTn id="19" fill="hold">
-                      <p:stCondLst>
-                        <p:cond delay="indefinite"/>
-                      </p:stCondLst>
-                      <p:childTnLst>
-                        <p:par>
-                          <p:cTn id="20" fill="hold">
-                            <p:stCondLst>
-                              <p:cond delay="0"/>
-                            </p:stCondLst>
-                            <p:childTnLst>
-                              <p:par>
-                                <p:cTn id="21" presetID="1" presetClass="entr" presetSubtype="0" fill="hold" nodeType="clickEffect">
-                                  <p:stCondLst>
-                                    <p:cond delay="0"/>
-                                  </p:stCondLst>
-                                  <p:childTnLst>
-                                    <p:set>
-                                      <p:cBhvr>
-                                        <p:cTn id="22" dur="1" fill="hold">
-                                          <p:stCondLst>
-                                            <p:cond delay="0"/>
-                                          </p:stCondLst>
-                                        </p:cTn>
-                                        <p:tgtEl>
-                                          <p:spTgt spid="3">
-                                            <p:txEl>
-                                              <p:pRg st="7" end="7"/>
-                                            </p:txEl>
-                                          </p:spTgt>
-                                        </p:tgtEl>
-                                        <p:attrNameLst>
-                                          <p:attrName>style.visibility</p:attrName>
-                                        </p:attrNameLst>
-                                      </p:cBhvr>
-                                      <p:to>
-                                        <p:strVal val="visible"/>
-                                      </p:to>
-                                    </p:set>
-                                  </p:childTnLst>
-                                </p:cTn>
-                              </p:par>
-                            </p:childTnLst>
-                          </p:cTn>
-                        </p:par>
-                      </p:childTnLst>
-                    </p:cTn>
-                  </p:par>
-                  <p:par>
-                    <p:cTn id="23" fill="hold">
-                      <p:stCondLst>
-                        <p:cond delay="indefinite"/>
-                      </p:stCondLst>
-                      <p:childTnLst>
-                        <p:par>
-                          <p:cTn id="24" fill="hold">
-                            <p:stCondLst>
-                              <p:cond delay="0"/>
-                            </p:stCondLst>
-                            <p:childTnLst>
-                              <p:par>
-                                <p:cTn id="25" presetID="1" presetClass="entr" presetSubtype="0" fill="hold" nodeType="clickEffect">
-                                  <p:stCondLst>
-                                    <p:cond delay="0"/>
-                                  </p:stCondLst>
-                                  <p:childTnLst>
-                                    <p:set>
-                                      <p:cBhvr>
-                                        <p:cTn id="26" dur="1" fill="hold">
-                                          <p:stCondLst>
-                                            <p:cond delay="0"/>
-                                          </p:stCondLst>
-                                        </p:cTn>
-                                        <p:tgtEl>
-                                          <p:spTgt spid="3">
-                                            <p:txEl>
-                                              <p:pRg st="9" end="9"/>
-                                            </p:txEl>
-                                          </p:spTgt>
-                                        </p:tgtEl>
-                                        <p:attrNameLst>
-                                          <p:attrName>style.visibility</p:attrName>
-                                        </p:attrNameLst>
-                                      </p:cBhvr>
-                                      <p:to>
-                                        <p:strVal val="visible"/>
-                                      </p:to>
-                                    </p:set>
-                                  </p:childTnLst>
-                                </p:cTn>
-                              </p:par>
-                            </p:childTnLst>
-                          </p:cTn>
-                        </p:par>
-                        <p:par>
-                          <p:cTn id="27" fill="hold">
-                            <p:stCondLst>
-                              <p:cond delay="0"/>
-                            </p:stCondLst>
-                            <p:childTnLst>
-                              <p:par>
-                                <p:cTn id="28" presetID="1" presetClass="entr" presetSubtype="0" fill="hold" nodeType="afterEffect">
-                                  <p:stCondLst>
-                                    <p:cond delay="0"/>
-                                  </p:stCondLst>
-                                  <p:childTnLst>
-                                    <p:set>
-                                      <p:cBhvr>
-                                        <p:cTn id="29" dur="1" fill="hold">
-                                          <p:stCondLst>
-                                            <p:cond delay="0"/>
-                                          </p:stCondLst>
-                                        </p:cTn>
-                                        <p:tgtEl>
-                                          <p:spTgt spid="3">
-                                            <p:txEl>
-                                              <p:pRg st="10" end="10"/>
-                                            </p:txEl>
-                                          </p:spTgt>
-                                        </p:tgtEl>
-                                        <p:attrNameLst>
-                                          <p:attrName>style.visibility</p:attrName>
-                                        </p:attrNameLst>
-                                      </p:cBhvr>
-                                      <p:to>
-                                        <p:strVal val="visible"/>
-                                      </p:to>
-                                    </p:set>
-                                  </p:childTnLst>
-                                </p:cTn>
-                              </p:par>
-                            </p:childTnLst>
-                          </p:cTn>
-                        </p:par>
-                      </p:childTnLst>
-                    </p:cTn>
-                  </p:par>
-                </p:childTnLst>
-              </p:cTn>
-              <p:prevCondLst>
-                <p:cond evt="onPrev" delay="0">
-                  <p:tgtEl>
-                    <p:sldTgt/>
-                  </p:tgtEl>
-                </p:cond>
-              </p:prevCondLst>
-              <p:nextCondLst>
-                <p:cond evt="onNext" delay="0">
-                  <p:tgtEl>
-                    <p:sldTgt/>
-                  </p:tgtEl>
-                </p:cond>
-              </p:nextCondLst>
-            </p:seq>
-          </p:childTnLst>
-        </p:cTn>
-      </p:par>
-    </p:tnLst>
-  </p:timing>
-</p:sld>
-</file>
-
-<file path=ppt/slides/slide17.xml><?xml version="1.0" encoding="utf-8"?>
-<p:sld xmlns:a="http://schemas.openxmlformats.org/drawingml/2006/main" xmlns:r="http://schemas.openxmlformats.org/officeDocument/2006/relationships" xmlns:p="http://schemas.openxmlformats.org/presentationml/2006/main">
-  <p:cSld>
-    <p:spTree>
-      <p:nvGrpSpPr>
-        <p:cNvPr id="1" name=""/>
-        <p:cNvGrpSpPr/>
-        <p:nvPr/>
-      </p:nvGrpSpPr>
-      <p:grpSpPr>
-        <a:xfrm>
-          <a:off x="0" y="0"/>
-          <a:ext cx="0" cy="0"/>
-          <a:chOff x="0" y="0"/>
-          <a:chExt cx="0" cy="0"/>
-        </a:xfrm>
-      </p:grpSpPr>
-      <p:sp>
-        <p:nvSpPr>
-          <p:cNvPr id="9" name="Footer Placeholder 3"/>
-          <p:cNvSpPr>
-            <a:spLocks noGrp="1"/>
-          </p:cNvSpPr>
-          <p:nvPr>
-            <p:ph type="ftr" sz="quarter" idx="10"/>
-          </p:nvPr>
-        </p:nvSpPr>
-        <p:spPr/>
-        <p:txBody>
-          <a:bodyPr/>
-          <a:lstStyle/>
-          <a:p>
-            <a:r>
-              <a:rPr lang="en-US"/>
-              <a:t>Catch Curves</a:t>
-            </a:r>
-          </a:p>
-        </p:txBody>
-      </p:sp>
-      <p:sp>
-        <p:nvSpPr>
-          <p:cNvPr id="10" name="Slide Number Placeholder 4"/>
-          <p:cNvSpPr>
-            <a:spLocks noGrp="1"/>
-          </p:cNvSpPr>
-          <p:nvPr>
-            <p:ph type="sldNum" sz="quarter" idx="11"/>
-          </p:nvPr>
-        </p:nvSpPr>
-        <p:spPr/>
-        <p:txBody>
-          <a:bodyPr/>
-          <a:lstStyle/>
-          <a:p>
-            <a:fld id="{170A5CBA-EE77-45C6-A259-18D0A0F85CCA}" type="slidenum">
-              <a:rPr lang="en-US"/>
-              <a:pPr/>
-              <a:t>17</a:t>
-            </a:fld>
-            <a:endParaRPr lang="en-US"/>
-          </a:p>
-        </p:txBody>
-      </p:sp>
-      <p:sp>
-        <p:nvSpPr>
-          <p:cNvPr id="421890" name="Rectangle 2"/>
-          <p:cNvSpPr>
-            <a:spLocks noGrp="1" noChangeArrowheads="1"/>
-          </p:cNvSpPr>
-          <p:nvPr>
-            <p:ph type="title"/>
-          </p:nvPr>
-        </p:nvSpPr>
-        <p:spPr/>
-        <p:txBody>
-          <a:bodyPr/>
-          <a:lstStyle/>
-          <a:p>
-            <a:r>
-              <a:rPr lang="en-US"/>
-              <a:t>Estimating F with Marked Fish</a:t>
-            </a:r>
-          </a:p>
-        </p:txBody>
-      </p:sp>
-      <p:sp>
-        <p:nvSpPr>
-          <p:cNvPr id="421891" name="Rectangle 3"/>
-          <p:cNvSpPr>
-            <a:spLocks noGrp="1" noChangeArrowheads="1"/>
-          </p:cNvSpPr>
-          <p:nvPr>
-            <p:ph type="body" idx="1"/>
-          </p:nvPr>
-        </p:nvSpPr>
-        <p:spPr>
-          <a:xfrm>
-            <a:off x="457200" y="1143000"/>
-            <a:ext cx="8610600" cy="5334000"/>
-          </a:xfrm>
-        </p:spPr>
-        <p:txBody>
-          <a:bodyPr/>
-          <a:lstStyle/>
-          <a:p>
-            <a:r>
-              <a:rPr lang="en-US" dirty="0" smtClean="0"/>
-              <a:t>Consider –</a:t>
-            </a:r>
-          </a:p>
-          <a:p>
-            <a:endParaRPr lang="en-US" dirty="0"/>
-          </a:p>
-          <a:p>
-            <a:r>
-              <a:rPr lang="en-US" dirty="0" smtClean="0"/>
-              <a:t>The </a:t>
-            </a:r>
-            <a:r>
-              <a:rPr lang="en-US" dirty="0"/>
-              <a:t>number of fish caught is the proportion of dying fish due to fishing mortality</a:t>
-            </a:r>
-          </a:p>
-          <a:p>
-            <a:pPr lvl="1"/>
-            <a:r>
-              <a:rPr lang="en-US" dirty="0"/>
-              <a:t>This proportion is </a:t>
-            </a:r>
-            <a:r>
-              <a:rPr lang="en-US" dirty="0" smtClean="0"/>
-              <a:t>F/Z</a:t>
-            </a:r>
-          </a:p>
-          <a:p>
-            <a:pPr lvl="1"/>
-            <a:endParaRPr lang="en-US" sz="1400" dirty="0"/>
-          </a:p>
-          <a:p>
-            <a:pPr lvl="1"/>
-            <a:r>
-              <a:rPr lang="en-US" dirty="0"/>
-              <a:t>Therefore </a:t>
-            </a:r>
-            <a:r>
-              <a:rPr lang="en-US" dirty="0" smtClean="0"/>
-              <a:t>…</a:t>
-            </a:r>
-          </a:p>
-          <a:p>
-            <a:pPr lvl="1"/>
-            <a:endParaRPr lang="en-US" sz="3200" dirty="0"/>
-          </a:p>
-          <a:p>
-            <a:r>
-              <a:rPr lang="en-US" dirty="0" smtClean="0"/>
-              <a:t>Consider -- </a:t>
-            </a:r>
-          </a:p>
-          <a:p>
-            <a:endParaRPr lang="en-US" sz="1600" dirty="0" smtClean="0"/>
-          </a:p>
-          <a:p>
-            <a:pPr lvl="1"/>
-            <a:r>
-              <a:rPr lang="en-US" dirty="0" smtClean="0"/>
-              <a:t>Where the asterisks represent only marked fish</a:t>
-            </a:r>
-            <a:endParaRPr lang="en-US" dirty="0"/>
-          </a:p>
-          <a:p>
-            <a:endParaRPr lang="en-US" dirty="0"/>
-          </a:p>
-        </p:txBody>
-      </p:sp>
-      <p:pic>
-        <p:nvPicPr>
-          <p:cNvPr id="421893" name="Picture 5"/>
-          <p:cNvPicPr>
-            <a:picLocks noChangeAspect="1" noChangeArrowheads="1"/>
-          </p:cNvPicPr>
-          <p:nvPr/>
-        </p:nvPicPr>
-        <p:blipFill>
-          <a:blip r:embed="rId2"/>
-          <a:srcRect/>
-          <a:stretch>
-            <a:fillRect/>
-          </a:stretch>
-        </p:blipFill>
-        <p:spPr bwMode="auto">
-          <a:xfrm>
-            <a:off x="2971800" y="1066801"/>
-            <a:ext cx="6096000" cy="811306"/>
-          </a:xfrm>
-          <a:prstGeom prst="rect">
-            <a:avLst/>
-          </a:prstGeom>
-          <a:noFill/>
-          <a:ln w="9525">
-            <a:noFill/>
-            <a:miter lim="800000"/>
-            <a:headEnd/>
-            <a:tailEnd/>
-          </a:ln>
-          <a:effectLst/>
-        </p:spPr>
-      </p:pic>
-      <p:pic>
-        <p:nvPicPr>
-          <p:cNvPr id="11" name="Picture 4"/>
-          <p:cNvPicPr>
-            <a:picLocks noChangeAspect="1" noChangeArrowheads="1"/>
-          </p:cNvPicPr>
-          <p:nvPr/>
-        </p:nvPicPr>
-        <p:blipFill>
-          <a:blip r:embed="rId3"/>
-          <a:srcRect/>
-          <a:stretch>
-            <a:fillRect/>
-          </a:stretch>
-        </p:blipFill>
-        <p:spPr bwMode="auto">
-          <a:xfrm>
-            <a:off x="3429000" y="3886200"/>
-            <a:ext cx="5181600" cy="1076621"/>
-          </a:xfrm>
-          <a:prstGeom prst="rect">
-            <a:avLst/>
-          </a:prstGeom>
-          <a:noFill/>
-          <a:ln w="9525">
-            <a:noFill/>
-            <a:miter lim="800000"/>
-            <a:headEnd/>
-            <a:tailEnd/>
-          </a:ln>
-          <a:effectLst/>
-        </p:spPr>
-      </p:pic>
-      <p:pic>
-        <p:nvPicPr>
-          <p:cNvPr id="12" name="Picture 4"/>
-          <p:cNvPicPr>
-            <a:picLocks noChangeAspect="1" noChangeArrowheads="1"/>
-          </p:cNvPicPr>
-          <p:nvPr/>
-        </p:nvPicPr>
-        <p:blipFill>
-          <a:blip r:embed="rId4"/>
-          <a:srcRect/>
-          <a:stretch>
-            <a:fillRect/>
-          </a:stretch>
-        </p:blipFill>
-        <p:spPr bwMode="auto">
-          <a:xfrm>
-            <a:off x="3057525" y="5160963"/>
-            <a:ext cx="3267075" cy="858837"/>
-          </a:xfrm>
-          <a:prstGeom prst="rect">
-            <a:avLst/>
-          </a:prstGeom>
-          <a:noFill/>
-          <a:ln w="9525">
-            <a:noFill/>
-            <a:miter lim="800000"/>
-            <a:headEnd/>
-            <a:tailEnd/>
-          </a:ln>
-          <a:effectLst/>
-        </p:spPr>
-      </p:pic>
-    </p:spTree>
-  </p:cSld>
-  <p:clrMapOvr>
-    <a:masterClrMapping/>
-  </p:clrMapOvr>
-  <p:timing>
-    <p:tnLst>
-      <p:par>
-        <p:cTn id="1" dur="indefinite" restart="never" nodeType="tmRoot">
-          <p:childTnLst>
-            <p:seq concurrent="1" nextAc="seek">
-              <p:cTn id="2" dur="indefinite" nodeType="mainSeq">
-                <p:childTnLst>
-                  <p:par>
-                    <p:cTn id="3" fill="hold">
-                      <p:stCondLst>
-                        <p:cond delay="indefinite"/>
-                      </p:stCondLst>
-                      <p:childTnLst>
-                        <p:par>
-                          <p:cTn id="4" fill="hold">
-                            <p:stCondLst>
-                              <p:cond delay="0"/>
-                            </p:stCondLst>
-                            <p:childTnLst>
-                              <p:par>
-                                <p:cTn id="5" presetID="1" presetClass="entr" presetSubtype="0" fill="hold" grpId="0" nodeType="clickEffect">
-                                  <p:stCondLst>
-                                    <p:cond delay="0"/>
-                                  </p:stCondLst>
-                                  <p:childTnLst>
-                                    <p:set>
-                                      <p:cBhvr>
-                                        <p:cTn id="6" dur="1" fill="hold">
-                                          <p:stCondLst>
-                                            <p:cond delay="0"/>
-                                          </p:stCondLst>
-                                        </p:cTn>
-                                        <p:tgtEl>
-                                          <p:spTgt spid="421891">
-                                            <p:txEl>
-                                              <p:pRg st="2" end="2"/>
-                                            </p:txEl>
-                                          </p:spTgt>
-                                        </p:tgtEl>
-                                        <p:attrNameLst>
-                                          <p:attrName>style.visibility</p:attrName>
-                                        </p:attrNameLst>
-                                      </p:cBhvr>
-                                      <p:to>
-                                        <p:strVal val="visible"/>
-                                      </p:to>
-                                    </p:set>
-                                  </p:childTnLst>
-                                </p:cTn>
-                              </p:par>
-                            </p:childTnLst>
-                          </p:cTn>
-                        </p:par>
-                      </p:childTnLst>
-                    </p:cTn>
-                  </p:par>
-                  <p:par>
-                    <p:cTn id="7" fill="hold">
-                      <p:stCondLst>
-                        <p:cond delay="indefinite"/>
-                      </p:stCondLst>
-                      <p:childTnLst>
-                        <p:par>
-                          <p:cTn id="8" fill="hold">
-                            <p:stCondLst>
-                              <p:cond delay="0"/>
-                            </p:stCondLst>
-                            <p:childTnLst>
-                              <p:par>
-                                <p:cTn id="9" presetID="1" presetClass="entr" presetSubtype="0" fill="hold" grpId="0" nodeType="clickEffect">
-                                  <p:stCondLst>
-                                    <p:cond delay="0"/>
-                                  </p:stCondLst>
-                                  <p:childTnLst>
-                                    <p:set>
-                                      <p:cBhvr>
-                                        <p:cTn id="10" dur="1" fill="hold">
-                                          <p:stCondLst>
-                                            <p:cond delay="0"/>
-                                          </p:stCondLst>
-                                        </p:cTn>
-                                        <p:tgtEl>
-                                          <p:spTgt spid="421891">
-                                            <p:txEl>
-                                              <p:pRg st="3" end="3"/>
-                                            </p:txEl>
-                                          </p:spTgt>
-                                        </p:tgtEl>
-                                        <p:attrNameLst>
-                                          <p:attrName>style.visibility</p:attrName>
-                                        </p:attrNameLst>
-                                      </p:cBhvr>
-                                      <p:to>
-                                        <p:strVal val="visible"/>
-                                      </p:to>
-                                    </p:set>
-                                  </p:childTnLst>
-                                </p:cTn>
-                              </p:par>
-                            </p:childTnLst>
-                          </p:cTn>
-                        </p:par>
-                      </p:childTnLst>
-                    </p:cTn>
-                  </p:par>
-                  <p:par>
-                    <p:cTn id="11" fill="hold">
-                      <p:stCondLst>
-                        <p:cond delay="indefinite"/>
-                      </p:stCondLst>
-                      <p:childTnLst>
-                        <p:par>
-                          <p:cTn id="12" fill="hold">
-                            <p:stCondLst>
-                              <p:cond delay="0"/>
-                            </p:stCondLst>
-                            <p:childTnLst>
-                              <p:par>
-                                <p:cTn id="13" presetID="1" presetClass="entr" presetSubtype="0" fill="hold" grpId="0" nodeType="clickEffect">
-                                  <p:stCondLst>
-                                    <p:cond delay="0"/>
-                                  </p:stCondLst>
-                                  <p:childTnLst>
-                                    <p:set>
-                                      <p:cBhvr>
-                                        <p:cTn id="14" dur="1" fill="hold">
-                                          <p:stCondLst>
-                                            <p:cond delay="0"/>
-                                          </p:stCondLst>
-                                        </p:cTn>
-                                        <p:tgtEl>
-                                          <p:spTgt spid="421891">
-                                            <p:txEl>
-                                              <p:pRg st="5" end="5"/>
-                                            </p:txEl>
-                                          </p:spTgt>
-                                        </p:tgtEl>
-                                        <p:attrNameLst>
-                                          <p:attrName>style.visibility</p:attrName>
-                                        </p:attrNameLst>
-                                      </p:cBhvr>
-                                      <p:to>
-                                        <p:strVal val="visible"/>
-                                      </p:to>
-                                    </p:set>
-                                  </p:childTnLst>
-                                </p:cTn>
-                              </p:par>
-                            </p:childTnLst>
-                          </p:cTn>
-                        </p:par>
-                        <p:par>
-                          <p:cTn id="15" fill="hold">
-                            <p:stCondLst>
-                              <p:cond delay="0"/>
-                            </p:stCondLst>
-                            <p:childTnLst>
-                              <p:par>
-                                <p:cTn id="16" presetID="9" presetClass="entr" presetSubtype="0" fill="hold" nodeType="afterEffect">
-                                  <p:stCondLst>
-                                    <p:cond delay="0"/>
-                                  </p:stCondLst>
-                                  <p:childTnLst>
-                                    <p:set>
-                                      <p:cBhvr>
-                                        <p:cTn id="17" dur="1" fill="hold">
-                                          <p:stCondLst>
-                                            <p:cond delay="0"/>
-                                          </p:stCondLst>
-                                        </p:cTn>
-                                        <p:tgtEl>
-                                          <p:spTgt spid="11"/>
-                                        </p:tgtEl>
-                                        <p:attrNameLst>
-                                          <p:attrName>style.visibility</p:attrName>
-                                        </p:attrNameLst>
-                                      </p:cBhvr>
-                                      <p:to>
-                                        <p:strVal val="visible"/>
-                                      </p:to>
-                                    </p:set>
-                                    <p:animEffect transition="in" filter="dissolve">
-                                      <p:cBhvr>
-                                        <p:cTn id="18" dur="500"/>
-                                        <p:tgtEl>
-                                          <p:spTgt spid="11"/>
-                                        </p:tgtEl>
-                                      </p:cBhvr>
-                                    </p:animEffect>
-                                  </p:childTnLst>
-                                </p:cTn>
-                              </p:par>
-                            </p:childTnLst>
-                          </p:cTn>
-                        </p:par>
-                      </p:childTnLst>
-                    </p:cTn>
-                  </p:par>
-                  <p:par>
-                    <p:cTn id="19" fill="hold">
-                      <p:stCondLst>
-                        <p:cond delay="indefinite"/>
-                      </p:stCondLst>
-                      <p:childTnLst>
-                        <p:par>
-                          <p:cTn id="20" fill="hold">
-                            <p:stCondLst>
-                              <p:cond delay="0"/>
-                            </p:stCondLst>
-                            <p:childTnLst>
-                              <p:par>
-                                <p:cTn id="21" presetID="1" presetClass="entr" presetSubtype="0" fill="hold" grpId="0" nodeType="clickEffect">
-                                  <p:stCondLst>
-                                    <p:cond delay="0"/>
-                                  </p:stCondLst>
-                                  <p:childTnLst>
-                                    <p:set>
-                                      <p:cBhvr>
-                                        <p:cTn id="22" dur="1" fill="hold">
-                                          <p:stCondLst>
-                                            <p:cond delay="0"/>
-                                          </p:stCondLst>
-                                        </p:cTn>
-                                        <p:tgtEl>
-                                          <p:spTgt spid="421891">
-                                            <p:txEl>
-                                              <p:pRg st="7" end="7"/>
-                                            </p:txEl>
-                                          </p:spTgt>
-                                        </p:tgtEl>
-                                        <p:attrNameLst>
-                                          <p:attrName>style.visibility</p:attrName>
-                                        </p:attrNameLst>
-                                      </p:cBhvr>
-                                      <p:to>
-                                        <p:strVal val="visible"/>
-                                      </p:to>
-                                    </p:set>
-                                  </p:childTnLst>
-                                </p:cTn>
-                              </p:par>
-                              <p:par>
-                                <p:cTn id="23" presetID="1" presetClass="entr" presetSubtype="0" fill="hold" nodeType="withEffect">
-                                  <p:stCondLst>
-                                    <p:cond delay="0"/>
-                                  </p:stCondLst>
-                                  <p:childTnLst>
-                                    <p:set>
-                                      <p:cBhvr>
-                                        <p:cTn id="24" dur="1" fill="hold">
-                                          <p:stCondLst>
-                                            <p:cond delay="0"/>
-                                          </p:stCondLst>
-                                        </p:cTn>
-                                        <p:tgtEl>
-                                          <p:spTgt spid="12"/>
-                                        </p:tgtEl>
-                                        <p:attrNameLst>
-                                          <p:attrName>style.visibility</p:attrName>
-                                        </p:attrNameLst>
-                                      </p:cBhvr>
-                                      <p:to>
-                                        <p:strVal val="visible"/>
-                                      </p:to>
-                                    </p:set>
-                                  </p:childTnLst>
-                                </p:cTn>
-                              </p:par>
-                              <p:par>
-                                <p:cTn id="25" presetID="1" presetClass="entr" presetSubtype="0" fill="hold" grpId="0" nodeType="withEffect">
-                                  <p:stCondLst>
-                                    <p:cond delay="0"/>
-                                  </p:stCondLst>
-                                  <p:childTnLst>
-                                    <p:set>
-                                      <p:cBhvr>
-                                        <p:cTn id="26" dur="1" fill="hold">
-                                          <p:stCondLst>
-                                            <p:cond delay="0"/>
-                                          </p:stCondLst>
-                                        </p:cTn>
-                                        <p:tgtEl>
-                                          <p:spTgt spid="421891">
-                                            <p:txEl>
-                                              <p:pRg st="9" end="9"/>
-                                            </p:txEl>
-                                          </p:spTgt>
-                                        </p:tgtEl>
-                                        <p:attrNameLst>
-                                          <p:attrName>style.visibility</p:attrName>
-                                        </p:attrNameLst>
-                                      </p:cBhvr>
-                                      <p:to>
-                                        <p:strVal val="visible"/>
-                                      </p:to>
-                                    </p:set>
-                                  </p:childTnLst>
-                                </p:cTn>
-                              </p:par>
-                            </p:childTnLst>
-                          </p:cTn>
-                        </p:par>
-                      </p:childTnLst>
-                    </p:cTn>
-                  </p:par>
-                </p:childTnLst>
-              </p:cTn>
-              <p:prevCondLst>
-                <p:cond evt="onPrev" delay="0">
-                  <p:tgtEl>
-                    <p:sldTgt/>
-                  </p:tgtEl>
-                </p:cond>
-              </p:prevCondLst>
-              <p:nextCondLst>
-                <p:cond evt="onNext" delay="0">
-                  <p:tgtEl>
-                    <p:sldTgt/>
-                  </p:tgtEl>
-                </p:cond>
-              </p:nextCondLst>
-            </p:seq>
-          </p:childTnLst>
-        </p:cTn>
-      </p:par>
-    </p:tnLst>
-    <p:bldLst>
-      <p:bldP spid="421891" grpId="0" uiExpand="1" build="p"/>
-    </p:bldLst>
-  </p:timing>
-</p:sld>
-</file>
-
-<file path=ppt/slides/slide18.xml><?xml version="1.0" encoding="utf-8"?>
-<p:sld xmlns:a="http://schemas.openxmlformats.org/drawingml/2006/main" xmlns:r="http://schemas.openxmlformats.org/officeDocument/2006/relationships" xmlns:p="http://schemas.openxmlformats.org/presentationml/2006/main">
-  <p:cSld>
-    <p:spTree>
-      <p:nvGrpSpPr>
-        <p:cNvPr id="1" name=""/>
-        <p:cNvGrpSpPr/>
-        <p:nvPr/>
-      </p:nvGrpSpPr>
-      <p:grpSpPr>
-        <a:xfrm>
-          <a:off x="0" y="0"/>
-          <a:ext cx="0" cy="0"/>
-          <a:chOff x="0" y="0"/>
-          <a:chExt cx="0" cy="0"/>
-        </a:xfrm>
-      </p:grpSpPr>
-      <p:sp>
-        <p:nvSpPr>
-          <p:cNvPr id="7" name="Footer Placeholder 3"/>
-          <p:cNvSpPr>
-            <a:spLocks noGrp="1"/>
-          </p:cNvSpPr>
-          <p:nvPr>
-            <p:ph type="ftr" sz="quarter" idx="10"/>
-          </p:nvPr>
-        </p:nvSpPr>
-        <p:spPr/>
-        <p:txBody>
-          <a:bodyPr/>
-          <a:lstStyle/>
-          <a:p>
-            <a:r>
-              <a:rPr lang="en-US"/>
-              <a:t>Catch Curves</a:t>
-            </a:r>
-          </a:p>
-        </p:txBody>
-      </p:sp>
-      <p:sp>
-        <p:nvSpPr>
-          <p:cNvPr id="8" name="Slide Number Placeholder 4"/>
-          <p:cNvSpPr>
-            <a:spLocks noGrp="1"/>
-          </p:cNvSpPr>
-          <p:nvPr>
-            <p:ph type="sldNum" sz="quarter" idx="11"/>
-          </p:nvPr>
-        </p:nvSpPr>
-        <p:spPr/>
-        <p:txBody>
-          <a:bodyPr/>
-          <a:lstStyle/>
-          <a:p>
-            <a:fld id="{D7A0E3EA-0C36-40CC-B5D8-9DE7525091DC}" type="slidenum">
-              <a:rPr lang="en-US"/>
-              <a:pPr/>
-              <a:t>18</a:t>
-            </a:fld>
-            <a:endParaRPr lang="en-US"/>
-          </a:p>
-        </p:txBody>
-      </p:sp>
-      <p:sp>
-        <p:nvSpPr>
-          <p:cNvPr id="424962" name="Rectangle 2"/>
-          <p:cNvSpPr>
-            <a:spLocks noGrp="1" noChangeArrowheads="1"/>
-          </p:cNvSpPr>
-          <p:nvPr>
-            <p:ph type="title"/>
-          </p:nvPr>
-        </p:nvSpPr>
-        <p:spPr/>
-        <p:txBody>
-          <a:bodyPr/>
-          <a:lstStyle/>
-          <a:p>
-            <a:r>
-              <a:rPr lang="en-US"/>
-              <a:t>Estimating F with Marked Fish</a:t>
-            </a:r>
-          </a:p>
-        </p:txBody>
-      </p:sp>
-      <p:sp>
-        <p:nvSpPr>
-          <p:cNvPr id="424963" name="Rectangle 3"/>
-          <p:cNvSpPr>
-            <a:spLocks noGrp="1" noChangeArrowheads="1"/>
-          </p:cNvSpPr>
-          <p:nvPr>
-            <p:ph type="body" idx="1"/>
-          </p:nvPr>
-        </p:nvSpPr>
-        <p:spPr>
-          <a:xfrm>
-            <a:off x="457200" y="1143000"/>
-            <a:ext cx="8458200" cy="5334000"/>
-          </a:xfrm>
-        </p:spPr>
-        <p:txBody>
-          <a:bodyPr/>
-          <a:lstStyle/>
-          <a:p>
-            <a:r>
-              <a:rPr lang="en-US"/>
-              <a:t>Substitute N</a:t>
-            </a:r>
-            <a:r>
-              <a:rPr lang="en-US" baseline="-25000"/>
-              <a:t>t</a:t>
-            </a:r>
-            <a:r>
-              <a:rPr lang="en-US"/>
-              <a:t>* equation into catch equation</a:t>
-            </a:r>
-          </a:p>
-          <a:p>
-            <a:endParaRPr lang="en-US"/>
-          </a:p>
-          <a:p>
-            <a:endParaRPr lang="en-US"/>
-          </a:p>
-          <a:p>
-            <a:r>
-              <a:rPr lang="en-US"/>
-              <a:t>and rearrange for simplicity</a:t>
-            </a:r>
-          </a:p>
-          <a:p>
-            <a:endParaRPr lang="en-US"/>
-          </a:p>
-          <a:p>
-            <a:endParaRPr lang="en-US"/>
-          </a:p>
-          <a:p>
-            <a:r>
-              <a:rPr lang="en-US"/>
-              <a:t>and take natural logs of both sides</a:t>
-            </a:r>
-          </a:p>
-          <a:p>
-            <a:endParaRPr lang="en-US"/>
-          </a:p>
-          <a:p>
-            <a:endParaRPr lang="en-US"/>
-          </a:p>
-        </p:txBody>
-      </p:sp>
-      <p:pic>
-        <p:nvPicPr>
-          <p:cNvPr id="424964" name="Picture 4"/>
-          <p:cNvPicPr>
-            <a:picLocks noChangeAspect="1" noChangeArrowheads="1"/>
-          </p:cNvPicPr>
-          <p:nvPr/>
-        </p:nvPicPr>
-        <p:blipFill>
-          <a:blip r:embed="rId2"/>
-          <a:srcRect/>
-          <a:stretch>
-            <a:fillRect/>
-          </a:stretch>
-        </p:blipFill>
-        <p:spPr bwMode="auto">
-          <a:xfrm>
-            <a:off x="1295400" y="1774825"/>
-            <a:ext cx="6427788" cy="1143000"/>
-          </a:xfrm>
-          <a:prstGeom prst="rect">
-            <a:avLst/>
-          </a:prstGeom>
-          <a:noFill/>
-          <a:ln w="9525">
-            <a:noFill/>
-            <a:miter lim="800000"/>
-            <a:headEnd/>
-            <a:tailEnd/>
-          </a:ln>
-          <a:effectLst/>
-        </p:spPr>
-      </p:pic>
-      <p:pic>
-        <p:nvPicPr>
-          <p:cNvPr id="424965" name="Picture 5"/>
-          <p:cNvPicPr>
-            <a:picLocks noChangeAspect="1" noChangeArrowheads="1"/>
-          </p:cNvPicPr>
-          <p:nvPr/>
-        </p:nvPicPr>
-        <p:blipFill>
-          <a:blip r:embed="rId3"/>
-          <a:srcRect/>
-          <a:stretch>
-            <a:fillRect/>
-          </a:stretch>
-        </p:blipFill>
-        <p:spPr bwMode="auto">
-          <a:xfrm>
-            <a:off x="1295400" y="3524250"/>
-            <a:ext cx="5324475" cy="1200150"/>
-          </a:xfrm>
-          <a:prstGeom prst="rect">
-            <a:avLst/>
-          </a:prstGeom>
-          <a:noFill/>
-          <a:ln w="9525">
-            <a:noFill/>
-            <a:miter lim="800000"/>
-            <a:headEnd/>
-            <a:tailEnd/>
-          </a:ln>
-          <a:effectLst/>
-        </p:spPr>
-      </p:pic>
-      <p:pic>
-        <p:nvPicPr>
-          <p:cNvPr id="424966" name="Picture 6"/>
-          <p:cNvPicPr>
-            <a:picLocks noChangeAspect="1" noChangeArrowheads="1"/>
-          </p:cNvPicPr>
-          <p:nvPr/>
-        </p:nvPicPr>
-        <p:blipFill>
-          <a:blip r:embed="rId4"/>
-          <a:srcRect/>
-          <a:stretch>
-            <a:fillRect/>
-          </a:stretch>
-        </p:blipFill>
-        <p:spPr bwMode="auto">
-          <a:xfrm>
-            <a:off x="1354138" y="5257800"/>
-            <a:ext cx="6875462" cy="1228725"/>
-          </a:xfrm>
-          <a:prstGeom prst="rect">
-            <a:avLst/>
-          </a:prstGeom>
-          <a:noFill/>
-          <a:ln w="9525">
-            <a:noFill/>
-            <a:miter lim="800000"/>
-            <a:headEnd/>
-            <a:tailEnd/>
-          </a:ln>
-          <a:effectLst/>
-        </p:spPr>
-      </p:pic>
-    </p:spTree>
-  </p:cSld>
-  <p:clrMapOvr>
-    <a:masterClrMapping/>
-  </p:clrMapOvr>
-  <p:timing>
-    <p:tnLst>
-      <p:par>
-        <p:cTn id="1" dur="indefinite" restart="never" nodeType="tmRoot">
-          <p:childTnLst>
-            <p:seq concurrent="1" nextAc="seek">
-              <p:cTn id="2" dur="indefinite" nodeType="mainSeq">
-                <p:childTnLst>
-                  <p:par>
-                    <p:cTn id="3" fill="hold">
-                      <p:stCondLst>
-                        <p:cond delay="indefinite"/>
-                      </p:stCondLst>
-                      <p:childTnLst>
-                        <p:par>
-                          <p:cTn id="4" fill="hold">
-                            <p:stCondLst>
-                              <p:cond delay="0"/>
-                            </p:stCondLst>
-                            <p:childTnLst>
-                              <p:par>
-                                <p:cTn id="5" presetID="9" presetClass="entr" presetSubtype="0" fill="hold" nodeType="clickEffect">
-                                  <p:stCondLst>
-                                    <p:cond delay="0"/>
-                                  </p:stCondLst>
-                                  <p:childTnLst>
-                                    <p:set>
-                                      <p:cBhvr>
-                                        <p:cTn id="6" dur="1" fill="hold">
-                                          <p:stCondLst>
-                                            <p:cond delay="0"/>
-                                          </p:stCondLst>
-                                        </p:cTn>
-                                        <p:tgtEl>
-                                          <p:spTgt spid="424964"/>
-                                        </p:tgtEl>
-                                        <p:attrNameLst>
-                                          <p:attrName>style.visibility</p:attrName>
-                                        </p:attrNameLst>
-                                      </p:cBhvr>
-                                      <p:to>
-                                        <p:strVal val="visible"/>
-                                      </p:to>
-                                    </p:set>
-                                    <p:animEffect transition="in" filter="dissolve">
-                                      <p:cBhvr>
-                                        <p:cTn id="7" dur="500"/>
-                                        <p:tgtEl>
-                                          <p:spTgt spid="424964"/>
-                                        </p:tgtEl>
-                                      </p:cBhvr>
-                                    </p:animEffect>
-                                  </p:childTnLst>
-                                </p:cTn>
-                              </p:par>
-                            </p:childTnLst>
-                          </p:cTn>
-                        </p:par>
-                      </p:childTnLst>
-                    </p:cTn>
-                  </p:par>
-                  <p:par>
-                    <p:cTn id="8" fill="hold">
-                      <p:stCondLst>
-                        <p:cond delay="indefinite"/>
-                      </p:stCondLst>
-                      <p:childTnLst>
-                        <p:par>
-                          <p:cTn id="9" fill="hold">
-                            <p:stCondLst>
-                              <p:cond delay="0"/>
-                            </p:stCondLst>
-                            <p:childTnLst>
-                              <p:par>
-                                <p:cTn id="10" presetID="1" presetClass="entr" presetSubtype="0" fill="hold" grpId="0" nodeType="clickEffect">
-                                  <p:stCondLst>
-                                    <p:cond delay="0"/>
-                                  </p:stCondLst>
-                                  <p:childTnLst>
-                                    <p:set>
-                                      <p:cBhvr>
-                                        <p:cTn id="11" dur="1" fill="hold">
-                                          <p:stCondLst>
-                                            <p:cond delay="0"/>
-                                          </p:stCondLst>
-                                        </p:cTn>
-                                        <p:tgtEl>
-                                          <p:spTgt spid="424963">
-                                            <p:txEl>
-                                              <p:pRg st="3" end="3"/>
-                                            </p:txEl>
-                                          </p:spTgt>
-                                        </p:tgtEl>
-                                        <p:attrNameLst>
-                                          <p:attrName>style.visibility</p:attrName>
-                                        </p:attrNameLst>
-                                      </p:cBhvr>
-                                      <p:to>
-                                        <p:strVal val="visible"/>
-                                      </p:to>
-                                    </p:set>
-                                  </p:childTnLst>
-                                </p:cTn>
-                              </p:par>
-                            </p:childTnLst>
-                          </p:cTn>
-                        </p:par>
-                        <p:par>
-                          <p:cTn id="12" fill="hold">
-                            <p:stCondLst>
-                              <p:cond delay="0"/>
-                            </p:stCondLst>
-                            <p:childTnLst>
-                              <p:par>
-                                <p:cTn id="13" presetID="9" presetClass="entr" presetSubtype="0" fill="hold" nodeType="afterEffect">
-                                  <p:stCondLst>
-                                    <p:cond delay="0"/>
-                                  </p:stCondLst>
-                                  <p:childTnLst>
-                                    <p:set>
-                                      <p:cBhvr>
-                                        <p:cTn id="14" dur="1" fill="hold">
-                                          <p:stCondLst>
-                                            <p:cond delay="0"/>
-                                          </p:stCondLst>
-                                        </p:cTn>
-                                        <p:tgtEl>
-                                          <p:spTgt spid="424965"/>
-                                        </p:tgtEl>
-                                        <p:attrNameLst>
-                                          <p:attrName>style.visibility</p:attrName>
-                                        </p:attrNameLst>
-                                      </p:cBhvr>
-                                      <p:to>
-                                        <p:strVal val="visible"/>
-                                      </p:to>
-                                    </p:set>
-                                    <p:animEffect transition="in" filter="dissolve">
-                                      <p:cBhvr>
-                                        <p:cTn id="15" dur="500"/>
-                                        <p:tgtEl>
-                                          <p:spTgt spid="424965"/>
-                                        </p:tgtEl>
-                                      </p:cBhvr>
-                                    </p:animEffect>
-                                  </p:childTnLst>
-                                </p:cTn>
-                              </p:par>
-                            </p:childTnLst>
-                          </p:cTn>
-                        </p:par>
-                      </p:childTnLst>
-                    </p:cTn>
-                  </p:par>
-                  <p:par>
-                    <p:cTn id="16" fill="hold">
-                      <p:stCondLst>
-                        <p:cond delay="indefinite"/>
-                      </p:stCondLst>
-                      <p:childTnLst>
-                        <p:par>
-                          <p:cTn id="17" fill="hold">
-                            <p:stCondLst>
-                              <p:cond delay="0"/>
-                            </p:stCondLst>
-                            <p:childTnLst>
-                              <p:par>
-                                <p:cTn id="18" presetID="1" presetClass="entr" presetSubtype="0" fill="hold" grpId="0" nodeType="clickEffect">
-                                  <p:stCondLst>
-                                    <p:cond delay="0"/>
-                                  </p:stCondLst>
-                                  <p:childTnLst>
-                                    <p:set>
-                                      <p:cBhvr>
-                                        <p:cTn id="19" dur="1" fill="hold">
-                                          <p:stCondLst>
-                                            <p:cond delay="0"/>
-                                          </p:stCondLst>
-                                        </p:cTn>
-                                        <p:tgtEl>
-                                          <p:spTgt spid="424963">
-                                            <p:txEl>
-                                              <p:pRg st="6" end="6"/>
-                                            </p:txEl>
-                                          </p:spTgt>
-                                        </p:tgtEl>
-                                        <p:attrNameLst>
-                                          <p:attrName>style.visibility</p:attrName>
-                                        </p:attrNameLst>
-                                      </p:cBhvr>
-                                      <p:to>
-                                        <p:strVal val="visible"/>
-                                      </p:to>
-                                    </p:set>
-                                  </p:childTnLst>
-                                </p:cTn>
-                              </p:par>
-                            </p:childTnLst>
-                          </p:cTn>
-                        </p:par>
-                        <p:par>
-                          <p:cTn id="20" fill="hold">
-                            <p:stCondLst>
-                              <p:cond delay="0"/>
-                            </p:stCondLst>
-                            <p:childTnLst>
-                              <p:par>
-                                <p:cTn id="21" presetID="9" presetClass="entr" presetSubtype="0" fill="hold" nodeType="afterEffect">
-                                  <p:stCondLst>
-                                    <p:cond delay="0"/>
-                                  </p:stCondLst>
-                                  <p:childTnLst>
-                                    <p:set>
-                                      <p:cBhvr>
-                                        <p:cTn id="22" dur="1" fill="hold">
-                                          <p:stCondLst>
-                                            <p:cond delay="0"/>
-                                          </p:stCondLst>
-                                        </p:cTn>
-                                        <p:tgtEl>
-                                          <p:spTgt spid="424966"/>
-                                        </p:tgtEl>
-                                        <p:attrNameLst>
-                                          <p:attrName>style.visibility</p:attrName>
-                                        </p:attrNameLst>
-                                      </p:cBhvr>
-                                      <p:to>
-                                        <p:strVal val="visible"/>
-                                      </p:to>
-                                    </p:set>
-                                    <p:animEffect transition="in" filter="dissolve">
-                                      <p:cBhvr>
-                                        <p:cTn id="23" dur="500"/>
-                                        <p:tgtEl>
-                                          <p:spTgt spid="424966"/>
-                                        </p:tgtEl>
-                                      </p:cBhvr>
-                                    </p:animEffect>
-                                  </p:childTnLst>
-                                </p:cTn>
-                              </p:par>
-                            </p:childTnLst>
-                          </p:cTn>
-                        </p:par>
-                      </p:childTnLst>
-                    </p:cTn>
-                  </p:par>
-                </p:childTnLst>
-              </p:cTn>
-              <p:prevCondLst>
-                <p:cond evt="onPrev" delay="0">
-                  <p:tgtEl>
-                    <p:sldTgt/>
-                  </p:tgtEl>
-                </p:cond>
-              </p:prevCondLst>
-              <p:nextCondLst>
-                <p:cond evt="onNext" delay="0">
-                  <p:tgtEl>
-                    <p:sldTgt/>
-                  </p:tgtEl>
-                </p:cond>
-              </p:nextCondLst>
-            </p:seq>
-          </p:childTnLst>
-        </p:cTn>
-      </p:par>
-    </p:tnLst>
-    <p:bldLst>
-      <p:bldP spid="424963" grpId="0" build="p"/>
-    </p:bldLst>
-  </p:timing>
-</p:sld>
-</file>
-
-<file path=ppt/slides/slide19.xml><?xml version="1.0" encoding="utf-8"?>
-<p:sld xmlns:a="http://schemas.openxmlformats.org/drawingml/2006/main" xmlns:r="http://schemas.openxmlformats.org/officeDocument/2006/relationships" xmlns:p="http://schemas.openxmlformats.org/presentationml/2006/main">
-  <p:cSld>
-    <p:spTree>
-      <p:nvGrpSpPr>
-        <p:cNvPr id="1" name=""/>
-        <p:cNvGrpSpPr/>
-        <p:nvPr/>
-      </p:nvGrpSpPr>
-      <p:grpSpPr>
-        <a:xfrm>
-          <a:off x="0" y="0"/>
-          <a:ext cx="0" cy="0"/>
-          <a:chOff x="0" y="0"/>
-          <a:chExt cx="0" cy="0"/>
-        </a:xfrm>
-      </p:grpSpPr>
-      <p:sp>
-        <p:nvSpPr>
-          <p:cNvPr id="7" name="Footer Placeholder 3"/>
-          <p:cNvSpPr>
-            <a:spLocks noGrp="1"/>
-          </p:cNvSpPr>
-          <p:nvPr>
-            <p:ph type="ftr" sz="quarter" idx="10"/>
-          </p:nvPr>
-        </p:nvSpPr>
-        <p:spPr/>
-        <p:txBody>
-          <a:bodyPr/>
-          <a:lstStyle/>
-          <a:p>
-            <a:r>
-              <a:rPr lang="en-US"/>
-              <a:t>Catch Curves</a:t>
-            </a:r>
-          </a:p>
-        </p:txBody>
-      </p:sp>
-      <p:sp>
-        <p:nvSpPr>
-          <p:cNvPr id="8" name="Slide Number Placeholder 4"/>
-          <p:cNvSpPr>
-            <a:spLocks noGrp="1"/>
-          </p:cNvSpPr>
-          <p:nvPr>
-            <p:ph type="sldNum" sz="quarter" idx="11"/>
-          </p:nvPr>
-        </p:nvSpPr>
-        <p:spPr/>
-        <p:txBody>
-          <a:bodyPr/>
-          <a:lstStyle/>
-          <a:p>
-            <a:fld id="{2718A24F-E62C-4120-B0DD-8B7B1D480092}" type="slidenum">
-              <a:rPr lang="en-US"/>
-              <a:pPr/>
-              <a:t>19</a:t>
-            </a:fld>
-            <a:endParaRPr lang="en-US"/>
-          </a:p>
-        </p:txBody>
-      </p:sp>
-      <p:sp>
-        <p:nvSpPr>
-          <p:cNvPr id="425986" name="Rectangle 2"/>
-          <p:cNvSpPr>
-            <a:spLocks noGrp="1" noChangeArrowheads="1"/>
-          </p:cNvSpPr>
-          <p:nvPr>
-            <p:ph type="title"/>
-          </p:nvPr>
-        </p:nvSpPr>
-        <p:spPr/>
-        <p:txBody>
-          <a:bodyPr/>
-          <a:lstStyle/>
-          <a:p>
-            <a:r>
-              <a:rPr lang="en-US"/>
-              <a:t>Estimating F with Marked Fish</a:t>
-            </a:r>
-          </a:p>
-        </p:txBody>
-      </p:sp>
-      <p:sp>
-        <p:nvSpPr>
-          <p:cNvPr id="425987" name="Rectangle 3"/>
-          <p:cNvSpPr>
-            <a:spLocks noGrp="1" noChangeArrowheads="1"/>
-          </p:cNvSpPr>
-          <p:nvPr>
-            <p:ph type="body" idx="1"/>
-          </p:nvPr>
-        </p:nvSpPr>
-        <p:spPr>
-          <a:xfrm>
-            <a:off x="457200" y="2438400"/>
-            <a:ext cx="8458200" cy="4038600"/>
-          </a:xfrm>
-        </p:spPr>
-        <p:txBody>
-          <a:bodyPr/>
-          <a:lstStyle/>
-          <a:p>
-            <a:r>
-              <a:rPr lang="en-US"/>
-              <a:t>Examine this model closely …</a:t>
-            </a:r>
-          </a:p>
-          <a:p>
-            <a:pPr lvl="1"/>
-            <a:r>
-              <a:rPr lang="en-US"/>
-              <a:t>Slope is an estimate of –Z</a:t>
-            </a:r>
-          </a:p>
-          <a:p>
-            <a:pPr lvl="1"/>
-            <a:endParaRPr lang="en-US" sz="1400"/>
-          </a:p>
-          <a:p>
-            <a:pPr lvl="1"/>
-            <a:r>
-              <a:rPr lang="en-US"/>
-              <a:t>Intercept is an estimate of …</a:t>
-            </a:r>
-          </a:p>
-          <a:p>
-            <a:pPr lvl="1"/>
-            <a:endParaRPr lang="en-US" sz="1600"/>
-          </a:p>
-          <a:p>
-            <a:pPr lvl="1"/>
-            <a:r>
-              <a:rPr lang="en-US"/>
-              <a:t>Which can be solved for F</a:t>
-            </a:r>
-          </a:p>
-        </p:txBody>
-      </p:sp>
-      <p:pic>
-        <p:nvPicPr>
-          <p:cNvPr id="425988" name="Picture 4"/>
-          <p:cNvPicPr>
-            <a:picLocks noChangeAspect="1" noChangeArrowheads="1"/>
-          </p:cNvPicPr>
-          <p:nvPr/>
-        </p:nvPicPr>
-        <p:blipFill>
-          <a:blip r:embed="rId2"/>
-          <a:srcRect/>
-          <a:stretch>
-            <a:fillRect/>
-          </a:stretch>
-        </p:blipFill>
-        <p:spPr bwMode="auto">
-          <a:xfrm>
-            <a:off x="1066800" y="1066800"/>
-            <a:ext cx="6875463" cy="1228725"/>
-          </a:xfrm>
-          <a:prstGeom prst="rect">
-            <a:avLst/>
-          </a:prstGeom>
-          <a:noFill/>
-          <a:ln w="9525">
-            <a:noFill/>
-            <a:miter lim="800000"/>
-            <a:headEnd/>
-            <a:tailEnd/>
-          </a:ln>
-          <a:effectLst/>
-        </p:spPr>
-      </p:pic>
-      <p:pic>
-        <p:nvPicPr>
-          <p:cNvPr id="425989" name="Picture 5"/>
-          <p:cNvPicPr>
-            <a:picLocks noChangeAspect="1" noChangeArrowheads="1"/>
-          </p:cNvPicPr>
-          <p:nvPr/>
-        </p:nvPicPr>
-        <p:blipFill>
-          <a:blip r:embed="rId3"/>
-          <a:srcRect/>
-          <a:stretch>
-            <a:fillRect/>
-          </a:stretch>
-        </p:blipFill>
-        <p:spPr bwMode="auto">
-          <a:xfrm>
-            <a:off x="2709863" y="5257800"/>
-            <a:ext cx="3724275" cy="1209675"/>
-          </a:xfrm>
-          <a:prstGeom prst="rect">
-            <a:avLst/>
-          </a:prstGeom>
-          <a:noFill/>
-          <a:ln w="9525">
-            <a:noFill/>
-            <a:miter lim="800000"/>
-            <a:headEnd/>
-            <a:tailEnd/>
-          </a:ln>
-          <a:effectLst/>
-        </p:spPr>
-      </p:pic>
-      <p:pic>
-        <p:nvPicPr>
-          <p:cNvPr id="425990" name="Picture 6"/>
-          <p:cNvPicPr>
-            <a:picLocks noChangeAspect="1" noChangeArrowheads="1"/>
-          </p:cNvPicPr>
-          <p:nvPr/>
-        </p:nvPicPr>
-        <p:blipFill>
-          <a:blip r:embed="rId4"/>
-          <a:srcRect/>
-          <a:stretch>
-            <a:fillRect/>
-          </a:stretch>
-        </p:blipFill>
-        <p:spPr bwMode="auto">
-          <a:xfrm>
-            <a:off x="5486400" y="3505200"/>
-            <a:ext cx="3581400" cy="1098550"/>
-          </a:xfrm>
-          <a:prstGeom prst="rect">
-            <a:avLst/>
-          </a:prstGeom>
-          <a:noFill/>
-          <a:ln w="9525">
-            <a:noFill/>
-            <a:miter lim="800000"/>
-            <a:headEnd/>
-            <a:tailEnd/>
-          </a:ln>
-          <a:effectLst/>
-        </p:spPr>
-      </p:pic>
-    </p:spTree>
-  </p:cSld>
-  <p:clrMapOvr>
-    <a:masterClrMapping/>
-  </p:clrMapOvr>
-  <p:timing>
-    <p:tnLst>
-      <p:par>
-        <p:cTn id="1" dur="indefinite" restart="never" nodeType="tmRoot">
-          <p:childTnLst>
-            <p:seq concurrent="1" nextAc="seek">
-              <p:cTn id="2" dur="indefinite" nodeType="mainSeq">
-                <p:childTnLst>
-                  <p:par>
-                    <p:cTn id="3" fill="hold">
-                      <p:stCondLst>
-                        <p:cond delay="indefinite"/>
-                      </p:stCondLst>
-                      <p:childTnLst>
-                        <p:par>
-                          <p:cTn id="4" fill="hold">
-                            <p:stCondLst>
-                              <p:cond delay="0"/>
-                            </p:stCondLst>
-                            <p:childTnLst>
-                              <p:par>
-                                <p:cTn id="5" presetID="1" presetClass="entr" presetSubtype="0" fill="hold" grpId="0" nodeType="clickEffect">
-                                  <p:stCondLst>
-                                    <p:cond delay="0"/>
-                                  </p:stCondLst>
-                                  <p:childTnLst>
-                                    <p:set>
-                                      <p:cBhvr>
-                                        <p:cTn id="6" dur="1" fill="hold">
-                                          <p:stCondLst>
-                                            <p:cond delay="0"/>
-                                          </p:stCondLst>
-                                        </p:cTn>
-                                        <p:tgtEl>
-                                          <p:spTgt spid="425987">
-                                            <p:txEl>
-                                              <p:pRg st="1" end="1"/>
-                                            </p:txEl>
-                                          </p:spTgt>
-                                        </p:tgtEl>
-                                        <p:attrNameLst>
-                                          <p:attrName>style.visibility</p:attrName>
-                                        </p:attrNameLst>
-                                      </p:cBhvr>
-                                      <p:to>
-                                        <p:strVal val="visible"/>
-                                      </p:to>
-                                    </p:set>
-                                  </p:childTnLst>
-                                </p:cTn>
-                              </p:par>
-                            </p:childTnLst>
-                          </p:cTn>
-                        </p:par>
-                      </p:childTnLst>
-                    </p:cTn>
-                  </p:par>
-                  <p:par>
-                    <p:cTn id="7" fill="hold">
-                      <p:stCondLst>
-                        <p:cond delay="indefinite"/>
-                      </p:stCondLst>
-                      <p:childTnLst>
-                        <p:par>
-                          <p:cTn id="8" fill="hold">
-                            <p:stCondLst>
-                              <p:cond delay="0"/>
-                            </p:stCondLst>
-                            <p:childTnLst>
-                              <p:par>
-                                <p:cTn id="9" presetID="1" presetClass="entr" presetSubtype="0" fill="hold" grpId="0" nodeType="clickEffect">
-                                  <p:stCondLst>
-                                    <p:cond delay="0"/>
-                                  </p:stCondLst>
-                                  <p:childTnLst>
-                                    <p:set>
-                                      <p:cBhvr>
-                                        <p:cTn id="10" dur="1" fill="hold">
-                                          <p:stCondLst>
-                                            <p:cond delay="0"/>
-                                          </p:stCondLst>
-                                        </p:cTn>
-                                        <p:tgtEl>
-                                          <p:spTgt spid="425987">
-                                            <p:txEl>
-                                              <p:pRg st="3" end="3"/>
-                                            </p:txEl>
-                                          </p:spTgt>
-                                        </p:tgtEl>
-                                        <p:attrNameLst>
-                                          <p:attrName>style.visibility</p:attrName>
-                                        </p:attrNameLst>
-                                      </p:cBhvr>
-                                      <p:to>
-                                        <p:strVal val="visible"/>
-                                      </p:to>
-                                    </p:set>
-                                  </p:childTnLst>
-                                </p:cTn>
-                              </p:par>
-                              <p:par>
-                                <p:cTn id="11" presetID="1" presetClass="entr" presetSubtype="0" fill="hold" nodeType="withEffect">
-                                  <p:stCondLst>
-                                    <p:cond delay="0"/>
-                                  </p:stCondLst>
-                                  <p:childTnLst>
-                                    <p:set>
-                                      <p:cBhvr>
-                                        <p:cTn id="12" dur="1" fill="hold">
-                                          <p:stCondLst>
-                                            <p:cond delay="0"/>
-                                          </p:stCondLst>
-                                        </p:cTn>
-                                        <p:tgtEl>
-                                          <p:spTgt spid="425990"/>
-                                        </p:tgtEl>
-                                        <p:attrNameLst>
-                                          <p:attrName>style.visibility</p:attrName>
-                                        </p:attrNameLst>
-                                      </p:cBhvr>
-                                      <p:to>
-                                        <p:strVal val="visible"/>
-                                      </p:to>
-                                    </p:set>
-                                  </p:childTnLst>
-                                </p:cTn>
-                              </p:par>
-                            </p:childTnLst>
-                          </p:cTn>
-                        </p:par>
-                      </p:childTnLst>
-                    </p:cTn>
-                  </p:par>
-                  <p:par>
-                    <p:cTn id="13" fill="hold">
-                      <p:stCondLst>
-                        <p:cond delay="indefinite"/>
-                      </p:stCondLst>
-                      <p:childTnLst>
-                        <p:par>
-                          <p:cTn id="14" fill="hold">
-                            <p:stCondLst>
-                              <p:cond delay="0"/>
-                            </p:stCondLst>
-                            <p:childTnLst>
-                              <p:par>
-                                <p:cTn id="15" presetID="1" presetClass="entr" presetSubtype="0" fill="hold" grpId="0" nodeType="clickEffect">
-                                  <p:stCondLst>
-                                    <p:cond delay="0"/>
-                                  </p:stCondLst>
-                                  <p:childTnLst>
-                                    <p:set>
-                                      <p:cBhvr>
-                                        <p:cTn id="16" dur="1" fill="hold">
-                                          <p:stCondLst>
-                                            <p:cond delay="0"/>
-                                          </p:stCondLst>
-                                        </p:cTn>
-                                        <p:tgtEl>
-                                          <p:spTgt spid="425987">
-                                            <p:txEl>
-                                              <p:pRg st="5" end="5"/>
-                                            </p:txEl>
-                                          </p:spTgt>
-                                        </p:tgtEl>
-                                        <p:attrNameLst>
-                                          <p:attrName>style.visibility</p:attrName>
-                                        </p:attrNameLst>
-                                      </p:cBhvr>
-                                      <p:to>
-                                        <p:strVal val="visible"/>
-                                      </p:to>
-                                    </p:set>
-                                  </p:childTnLst>
-                                </p:cTn>
-                              </p:par>
-                            </p:childTnLst>
-                          </p:cTn>
-                        </p:par>
-                      </p:childTnLst>
-                    </p:cTn>
-                  </p:par>
-                  <p:par>
-                    <p:cTn id="17" fill="hold">
-                      <p:stCondLst>
-                        <p:cond delay="indefinite"/>
-                      </p:stCondLst>
-                      <p:childTnLst>
-                        <p:par>
-                          <p:cTn id="18" fill="hold">
-                            <p:stCondLst>
-                              <p:cond delay="0"/>
-                            </p:stCondLst>
-                            <p:childTnLst>
-                              <p:par>
-                                <p:cTn id="19" presetID="9" presetClass="entr" presetSubtype="0" fill="hold" nodeType="clickEffect">
-                                  <p:stCondLst>
-                                    <p:cond delay="0"/>
-                                  </p:stCondLst>
-                                  <p:childTnLst>
-                                    <p:set>
-                                      <p:cBhvr>
-                                        <p:cTn id="20" dur="1" fill="hold">
-                                          <p:stCondLst>
-                                            <p:cond delay="0"/>
-                                          </p:stCondLst>
-                                        </p:cTn>
-                                        <p:tgtEl>
-                                          <p:spTgt spid="425989"/>
-                                        </p:tgtEl>
-                                        <p:attrNameLst>
-                                          <p:attrName>style.visibility</p:attrName>
-                                        </p:attrNameLst>
-                                      </p:cBhvr>
-                                      <p:to>
-                                        <p:strVal val="visible"/>
-                                      </p:to>
-                                    </p:set>
-                                    <p:animEffect transition="in" filter="dissolve">
-                                      <p:cBhvr>
-                                        <p:cTn id="21" dur="500"/>
-                                        <p:tgtEl>
-                                          <p:spTgt spid="425989"/>
-                                        </p:tgtEl>
-                                      </p:cBhvr>
-                                    </p:animEffect>
-                                  </p:childTnLst>
-                                </p:cTn>
-                              </p:par>
-                            </p:childTnLst>
-                          </p:cTn>
-                        </p:par>
-                      </p:childTnLst>
-                    </p:cTn>
-                  </p:par>
-                </p:childTnLst>
-              </p:cTn>
-              <p:prevCondLst>
-                <p:cond evt="onPrev" delay="0">
-                  <p:tgtEl>
-                    <p:sldTgt/>
-                  </p:tgtEl>
-                </p:cond>
-              </p:prevCondLst>
-              <p:nextCondLst>
-                <p:cond evt="onNext" delay="0">
-                  <p:tgtEl>
-                    <p:sldTgt/>
-                  </p:tgtEl>
-                </p:cond>
-              </p:nextCondLst>
-            </p:seq>
-          </p:childTnLst>
-        </p:cTn>
-      </p:par>
-    </p:tnLst>
-    <p:bldLst>
-      <p:bldP spid="425987" grpId="0" build="p"/>
-    </p:bldLst>
-  </p:timing>
-</p:sld>
-</file>
-
 <file path=ppt/slides/slide2.xml><?xml version="1.0" encoding="utf-8"?>
 <p:sld xmlns:a="http://schemas.openxmlformats.org/drawingml/2006/main" xmlns:r="http://schemas.openxmlformats.org/officeDocument/2006/relationships" xmlns:p="http://schemas.openxmlformats.org/presentationml/2006/main">
   <p:cSld>
@@ -23530,328 +18817,6 @@
     </p:tnLst>
     <p:bldLst>
       <p:bldP spid="381955" grpId="0" uiExpand="1" build="p"/>
-    </p:bldLst>
-  </p:timing>
-</p:sld>
-</file>
-
-<file path=ppt/slides/slide20.xml><?xml version="1.0" encoding="utf-8"?>
-<p:sld xmlns:a="http://schemas.openxmlformats.org/drawingml/2006/main" xmlns:r="http://schemas.openxmlformats.org/officeDocument/2006/relationships" xmlns:p="http://schemas.openxmlformats.org/presentationml/2006/main">
-  <p:cSld>
-    <p:spTree>
-      <p:nvGrpSpPr>
-        <p:cNvPr id="1" name=""/>
-        <p:cNvGrpSpPr/>
-        <p:nvPr/>
-      </p:nvGrpSpPr>
-      <p:grpSpPr>
-        <a:xfrm>
-          <a:off x="0" y="0"/>
-          <a:ext cx="0" cy="0"/>
-          <a:chOff x="0" y="0"/>
-          <a:chExt cx="0" cy="0"/>
-        </a:xfrm>
-      </p:grpSpPr>
-      <p:sp>
-        <p:nvSpPr>
-          <p:cNvPr id="4" name="Footer Placeholder 3"/>
-          <p:cNvSpPr>
-            <a:spLocks noGrp="1"/>
-          </p:cNvSpPr>
-          <p:nvPr>
-            <p:ph type="ftr" sz="quarter" idx="10"/>
-          </p:nvPr>
-        </p:nvSpPr>
-        <p:spPr/>
-        <p:txBody>
-          <a:bodyPr/>
-          <a:lstStyle/>
-          <a:p>
-            <a:r>
-              <a:rPr lang="en-US"/>
-              <a:t>Catch Curves</a:t>
-            </a:r>
-          </a:p>
-        </p:txBody>
-      </p:sp>
-      <p:sp>
-        <p:nvSpPr>
-          <p:cNvPr id="5" name="Slide Number Placeholder 4"/>
-          <p:cNvSpPr>
-            <a:spLocks noGrp="1"/>
-          </p:cNvSpPr>
-          <p:nvPr>
-            <p:ph type="sldNum" sz="quarter" idx="11"/>
-          </p:nvPr>
-        </p:nvSpPr>
-        <p:spPr/>
-        <p:txBody>
-          <a:bodyPr/>
-          <a:lstStyle/>
-          <a:p>
-            <a:fld id="{319D3E82-01FD-44E5-B41C-C049F4B3AA45}" type="slidenum">
-              <a:rPr lang="en-US"/>
-              <a:pPr/>
-              <a:t>20</a:t>
-            </a:fld>
-            <a:endParaRPr lang="en-US"/>
-          </a:p>
-        </p:txBody>
-      </p:sp>
-      <p:sp>
-        <p:nvSpPr>
-          <p:cNvPr id="427010" name="Rectangle 2"/>
-          <p:cNvSpPr>
-            <a:spLocks noGrp="1" noChangeArrowheads="1"/>
-          </p:cNvSpPr>
-          <p:nvPr>
-            <p:ph type="title"/>
-          </p:nvPr>
-        </p:nvSpPr>
-        <p:spPr/>
-        <p:txBody>
-          <a:bodyPr/>
-          <a:lstStyle/>
-          <a:p>
-            <a:r>
-              <a:rPr lang="en-US"/>
-              <a:t>Example</a:t>
-            </a:r>
-          </a:p>
-        </p:txBody>
-      </p:sp>
-      <p:sp>
-        <p:nvSpPr>
-          <p:cNvPr id="427011" name="Rectangle 3"/>
-          <p:cNvSpPr>
-            <a:spLocks noGrp="1" noChangeArrowheads="1"/>
-          </p:cNvSpPr>
-          <p:nvPr>
-            <p:ph type="body" idx="1"/>
-          </p:nvPr>
-        </p:nvSpPr>
-        <p:spPr>
-          <a:xfrm>
-            <a:off x="457200" y="1143000"/>
-            <a:ext cx="8534400" cy="5334000"/>
-          </a:xfrm>
-        </p:spPr>
-        <p:txBody>
-          <a:bodyPr/>
-          <a:lstStyle/>
-          <a:p>
-            <a:r>
-              <a:rPr lang="en-US" dirty="0"/>
-              <a:t>400 fish were initially tagged</a:t>
-            </a:r>
-          </a:p>
-          <a:p>
-            <a:r>
-              <a:rPr lang="en-US" dirty="0"/>
-              <a:t>Tags were returned from the fishery over the next four years</a:t>
-            </a:r>
-          </a:p>
-          <a:p>
-            <a:pPr lvl="1"/>
-            <a:r>
-              <a:rPr lang="en-US" dirty="0"/>
-              <a:t>Consider the time period to be the midpoints of the years.</a:t>
-            </a:r>
-          </a:p>
-          <a:p>
-            <a:endParaRPr lang="en-US" dirty="0"/>
-          </a:p>
-          <a:p>
-            <a:r>
-              <a:rPr lang="en-US" dirty="0"/>
-              <a:t>Use these data to estimate Z &amp; F (see HO).</a:t>
-            </a:r>
-          </a:p>
-        </p:txBody>
-      </p:sp>
-    </p:spTree>
-  </p:cSld>
-  <p:clrMapOvr>
-    <a:masterClrMapping/>
-  </p:clrMapOvr>
-  <p:timing>
-    <p:tnLst>
-      <p:par>
-        <p:cTn id="1" dur="indefinite" restart="never" nodeType="tmRoot">
-          <p:childTnLst>
-            <p:seq concurrent="1" nextAc="seek">
-              <p:cTn id="2" dur="indefinite" nodeType="mainSeq">
-                <p:childTnLst>
-                  <p:par>
-                    <p:cTn id="3" fill="hold">
-                      <p:stCondLst>
-                        <p:cond delay="indefinite"/>
-                      </p:stCondLst>
-                      <p:childTnLst>
-                        <p:par>
-                          <p:cTn id="4" fill="hold">
-                            <p:stCondLst>
-                              <p:cond delay="0"/>
-                            </p:stCondLst>
-                            <p:childTnLst>
-                              <p:par>
-                                <p:cTn id="5" presetID="1" presetClass="entr" presetSubtype="0" fill="hold" grpId="0" nodeType="clickEffect">
-                                  <p:stCondLst>
-                                    <p:cond delay="0"/>
-                                  </p:stCondLst>
-                                  <p:childTnLst>
-                                    <p:set>
-                                      <p:cBhvr>
-                                        <p:cTn id="6" dur="1" fill="hold">
-                                          <p:stCondLst>
-                                            <p:cond delay="0"/>
-                                          </p:stCondLst>
-                                        </p:cTn>
-                                        <p:tgtEl>
-                                          <p:spTgt spid="427011">
-                                            <p:txEl>
-                                              <p:pRg st="1" end="1"/>
-                                            </p:txEl>
-                                          </p:spTgt>
-                                        </p:tgtEl>
-                                        <p:attrNameLst>
-                                          <p:attrName>style.visibility</p:attrName>
-                                        </p:attrNameLst>
-                                      </p:cBhvr>
-                                      <p:to>
-                                        <p:strVal val="visible"/>
-                                      </p:to>
-                                    </p:set>
-                                  </p:childTnLst>
-                                </p:cTn>
-                              </p:par>
-                            </p:childTnLst>
-                          </p:cTn>
-                        </p:par>
-                      </p:childTnLst>
-                    </p:cTn>
-                  </p:par>
-                  <p:par>
-                    <p:cTn id="7" fill="hold">
-                      <p:stCondLst>
-                        <p:cond delay="indefinite"/>
-                      </p:stCondLst>
-                      <p:childTnLst>
-                        <p:par>
-                          <p:cTn id="8" fill="hold">
-                            <p:stCondLst>
-                              <p:cond delay="0"/>
-                            </p:stCondLst>
-                            <p:childTnLst>
-                              <p:par>
-                                <p:cTn id="9" presetID="1" presetClass="entr" presetSubtype="0" fill="hold" grpId="0" nodeType="clickEffect">
-                                  <p:stCondLst>
-                                    <p:cond delay="0"/>
-                                  </p:stCondLst>
-                                  <p:childTnLst>
-                                    <p:set>
-                                      <p:cBhvr>
-                                        <p:cTn id="10" dur="1" fill="hold">
-                                          <p:stCondLst>
-                                            <p:cond delay="0"/>
-                                          </p:stCondLst>
-                                        </p:cTn>
-                                        <p:tgtEl>
-                                          <p:spTgt spid="427011">
-                                            <p:txEl>
-                                              <p:pRg st="2" end="2"/>
-                                            </p:txEl>
-                                          </p:spTgt>
-                                        </p:tgtEl>
-                                        <p:attrNameLst>
-                                          <p:attrName>style.visibility</p:attrName>
-                                        </p:attrNameLst>
-                                      </p:cBhvr>
-                                      <p:to>
-                                        <p:strVal val="visible"/>
-                                      </p:to>
-                                    </p:set>
-                                  </p:childTnLst>
-                                </p:cTn>
-                              </p:par>
-                            </p:childTnLst>
-                          </p:cTn>
-                        </p:par>
-                      </p:childTnLst>
-                    </p:cTn>
-                  </p:par>
-                  <p:par>
-                    <p:cTn id="11" fill="hold">
-                      <p:stCondLst>
-                        <p:cond delay="indefinite"/>
-                      </p:stCondLst>
-                      <p:childTnLst>
-                        <p:par>
-                          <p:cTn id="12" fill="hold">
-                            <p:stCondLst>
-                              <p:cond delay="0"/>
-                            </p:stCondLst>
-                            <p:childTnLst>
-                              <p:par>
-                                <p:cTn id="13" presetID="1" presetClass="entr" presetSubtype="0" fill="hold" grpId="0" nodeType="clickEffect">
-                                  <p:stCondLst>
-                                    <p:cond delay="0"/>
-                                  </p:stCondLst>
-                                  <p:childTnLst>
-                                    <p:set>
-                                      <p:cBhvr>
-                                        <p:cTn id="14" dur="1" fill="hold">
-                                          <p:stCondLst>
-                                            <p:cond delay="0"/>
-                                          </p:stCondLst>
-                                        </p:cTn>
-                                        <p:tgtEl>
-                                          <p:spTgt spid="427011">
-                                            <p:txEl>
-                                              <p:pRg st="4" end="4"/>
-                                            </p:txEl>
-                                          </p:spTgt>
-                                        </p:tgtEl>
-                                        <p:attrNameLst>
-                                          <p:attrName>style.visibility</p:attrName>
-                                        </p:attrNameLst>
-                                      </p:cBhvr>
-                                      <p:to>
-                                        <p:strVal val="visible"/>
-                                      </p:to>
-                                    </p:set>
-                                  </p:childTnLst>
-                                </p:cTn>
-                              </p:par>
-                            </p:childTnLst>
-                          </p:cTn>
-                        </p:par>
-                      </p:childTnLst>
-                    </p:cTn>
-                  </p:par>
-                </p:childTnLst>
-              </p:cTn>
-              <p:prevCondLst>
-                <p:cond evt="onPrev" delay="0">
-                  <p:tgtEl>
-                    <p:sldTgt/>
-                  </p:tgtEl>
-                </p:cond>
-              </p:prevCondLst>
-              <p:nextCondLst>
-                <p:cond evt="onNext" delay="0">
-                  <p:tgtEl>
-                    <p:sldTgt/>
-                  </p:tgtEl>
-                </p:cond>
-              </p:nextCondLst>
-            </p:seq>
-          </p:childTnLst>
-        </p:cTn>
-      </p:par>
-    </p:tnLst>
-    <p:bldLst>
-      <p:bldP spid="427011" grpId="0" build="p"/>
     </p:bldLst>
   </p:timing>
 </p:sld>

--- a/modules/Mortality/PPT.pptx
+++ b/modules/Mortality/PPT.pptx
@@ -21508,11 +21508,14 @@
               <a:t> </a:t>
             </a:r>
             <a:r>
-              <a:rPr lang="en-US" sz="2000" b="1" u="sng" dirty="0">
+              <a:rPr lang="en-US" sz="2000" b="1" u="sng" dirty="0" smtClean="0">
                 <a:latin typeface="Courier New" pitchFamily="49" charset="0"/>
               </a:rPr>
-              <a:t>2001 2002 2003 2004 2005 2006 2007 2008</a:t>
-            </a:r>
+              <a:t>2009 2010 2011 2012 2013 2014 2015 2016</a:t>
+            </a:r>
+            <a:endParaRPr lang="en-US" sz="2000" b="1" u="sng" dirty="0">
+              <a:latin typeface="Courier New" pitchFamily="49" charset="0"/>
+            </a:endParaRPr>
           </a:p>
           <a:p>
             <a:pPr>
@@ -21622,8 +21625,13 @@
             </a:pPr>
             <a:r>
               <a:rPr lang="en-US" sz="2800" dirty="0"/>
-              <a:t>What is the cross-sectional catch-at-age for 2004?</a:t>
-            </a:r>
+              <a:t>What is the cross-sectional catch-at-age for </a:t>
+            </a:r>
+            <a:r>
+              <a:rPr lang="en-US" sz="2800" dirty="0" smtClean="0"/>
+              <a:t>2012?</a:t>
+            </a:r>
+            <a:endParaRPr lang="en-US" sz="2800" dirty="0"/>
           </a:p>
           <a:p>
             <a:pPr>
@@ -21633,7 +21641,15 @@
             </a:pPr>
             <a:r>
               <a:rPr lang="en-US" sz="2800" dirty="0"/>
-              <a:t>What is the longitudinal catch-at-age for the 2002 year-class</a:t>
+              <a:t>What is the longitudinal catch-at-age for the </a:t>
+            </a:r>
+            <a:r>
+              <a:rPr lang="en-US" sz="2800" dirty="0" smtClean="0"/>
+              <a:t>2010 </a:t>
+            </a:r>
+            <a:r>
+              <a:rPr lang="en-US" sz="2800" dirty="0"/>
+              <a:t>year-class</a:t>
             </a:r>
             <a:r>
               <a:rPr lang="en-US" sz="2800" dirty="0" smtClean="0"/>

--- a/modules/Mortality/PPT.pptx
+++ b/modules/Mortality/PPT.pptx
@@ -18003,12 +18003,24 @@
               </a:lnSpc>
             </a:pPr>
             <a:r>
+              <a:rPr lang="en-US" sz="2800" dirty="0"/>
+              <a:t>R</a:t>
+            </a:r>
+            <a:r>
               <a:rPr lang="en-US" sz="2800" dirty="0" smtClean="0"/>
-              <a:t>No recruitment on descending limb </a:t>
+              <a:t>ecruitment </a:t>
+            </a:r>
+            <a:r>
+              <a:rPr lang="en-US" sz="2800" dirty="0" smtClean="0"/>
+              <a:t>on descending limb </a:t>
+            </a:r>
+            <a:r>
+              <a:rPr lang="en-US" sz="2800" dirty="0" smtClean="0"/>
+              <a:t>is constant (if </a:t>
             </a:r>
             <a:r>
               <a:rPr lang="en-US" sz="2800" dirty="0"/>
-              <a:t>(if cross-sectional CC used</a:t>
+              <a:t>cross-sectional CC used</a:t>
             </a:r>
             <a:r>
               <a:rPr lang="en-US" sz="2800" dirty="0" smtClean="0"/>
